--- a/Powerpoint/TedxMatch-2.pptx
+++ b/Powerpoint/TedxMatch-2.pptx
@@ -5,7 +5,7 @@
     <p:sldMasterId id="2147483648" r:id="rId1"/>
   </p:sldMasterIdLst>
   <p:notesMasterIdLst>
-    <p:notesMasterId r:id="rId12"/>
+    <p:notesMasterId r:id="rId14"/>
   </p:notesMasterIdLst>
   <p:sldIdLst>
     <p:sldId id="266" r:id="rId2"/>
@@ -15,30 +15,32 @@
     <p:sldId id="260" r:id="rId6"/>
     <p:sldId id="261" r:id="rId7"/>
     <p:sldId id="262" r:id="rId8"/>
-    <p:sldId id="263" r:id="rId9"/>
-    <p:sldId id="264" r:id="rId10"/>
-    <p:sldId id="265" r:id="rId11"/>
+    <p:sldId id="268" r:id="rId9"/>
+    <p:sldId id="267" r:id="rId10"/>
+    <p:sldId id="263" r:id="rId11"/>
+    <p:sldId id="264" r:id="rId12"/>
+    <p:sldId id="265" r:id="rId13"/>
   </p:sldIdLst>
   <p:sldSz cx="14630400" cy="8229600"/>
   <p:notesSz cx="8229600" cy="14630400"/>
   <p:embeddedFontLst>
     <p:embeddedFont>
       <p:font typeface="Consolas" panose="020B0609020204030204" pitchFamily="49" charset="0"/>
-      <p:regular r:id="rId13"/>
-      <p:bold r:id="rId14"/>
-      <p:italic r:id="rId15"/>
-      <p:boldItalic r:id="rId16"/>
+      <p:regular r:id="rId15"/>
+      <p:bold r:id="rId16"/>
+      <p:italic r:id="rId17"/>
+      <p:boldItalic r:id="rId18"/>
     </p:embeddedFont>
     <p:embeddedFont>
       <p:font typeface="Fira Sans" panose="020B0503050000020004" pitchFamily="34" charset="0"/>
-      <p:regular r:id="rId17"/>
-      <p:bold r:id="rId18"/>
-      <p:italic r:id="rId19"/>
-      <p:boldItalic r:id="rId20"/>
+      <p:regular r:id="rId19"/>
+      <p:bold r:id="rId20"/>
+      <p:italic r:id="rId21"/>
+      <p:boldItalic r:id="rId22"/>
     </p:embeddedFont>
     <p:embeddedFont>
       <p:font typeface="Inconsolata Bold" panose="020F0502020204030204" pitchFamily="34" charset="0"/>
-      <p:bold r:id="rId21"/>
+      <p:bold r:id="rId23"/>
     </p:embeddedFont>
   </p:embeddedFontLst>
   <p:defaultTextStyle>
@@ -419,6 +421,174 @@
             <a:fld id="{F7021451-1387-4CA6-816F-3879F97B5CBC}" type="slidenum">
               <a:rPr lang="en-US"/>
               <a:t>10</a:t>
+            </a:fld>
+            <a:endParaRPr lang="en-US"/>
+          </a:p>
+        </p:txBody>
+      </p:sp>
+    </p:spTree>
+    <p:extLst>
+      <p:ext uri="{BB962C8B-B14F-4D97-AF65-F5344CB8AC3E}">
+        <p14:creationId xmlns:p14="http://schemas.microsoft.com/office/powerpoint/2010/main" val="1024086991"/>
+      </p:ext>
+    </p:extLst>
+  </p:cSld>
+  <p:clrMapOvr>
+    <a:masterClrMapping/>
+  </p:clrMapOvr>
+</p:notes>
+</file>
+
+<file path=ppt/notesSlides/notesSlide11.xml><?xml version="1.0" encoding="utf-8"?>
+<p:notes xmlns:a="http://schemas.openxmlformats.org/drawingml/2006/main" xmlns:r="http://schemas.openxmlformats.org/officeDocument/2006/relationships" xmlns:p="http://schemas.openxmlformats.org/presentationml/2006/main">
+  <p:cSld>
+    <p:spTree>
+      <p:nvGrpSpPr>
+        <p:cNvPr id="1" name=""/>
+        <p:cNvGrpSpPr/>
+        <p:nvPr/>
+      </p:nvGrpSpPr>
+      <p:grpSpPr>
+        <a:xfrm>
+          <a:off x="0" y="0"/>
+          <a:ext cx="0" cy="0"/>
+          <a:chOff x="0" y="0"/>
+          <a:chExt cx="0" cy="0"/>
+        </a:xfrm>
+      </p:grpSpPr>
+      <p:sp>
+        <p:nvSpPr>
+          <p:cNvPr id="2" name="Slide Image Placeholder 1"/>
+          <p:cNvSpPr>
+            <a:spLocks noGrp="1" noRot="1" noChangeAspect="1"/>
+          </p:cNvSpPr>
+          <p:nvPr>
+            <p:ph type="sldImg"/>
+          </p:nvPr>
+        </p:nvSpPr>
+        <p:spPr/>
+      </p:sp>
+      <p:sp>
+        <p:nvSpPr>
+          <p:cNvPr id="3" name="Notes Placeholder 2"/>
+          <p:cNvSpPr>
+            <a:spLocks noGrp="1"/>
+          </p:cNvSpPr>
+          <p:nvPr>
+            <p:ph type="body" idx="1"/>
+          </p:nvPr>
+        </p:nvSpPr>
+        <p:spPr/>
+        <p:txBody>
+          <a:bodyPr/>
+          <a:lstStyle/>
+          <a:p>
+            <a:endParaRPr lang="en-US" dirty="0"/>
+          </a:p>
+        </p:txBody>
+      </p:sp>
+      <p:sp>
+        <p:nvSpPr>
+          <p:cNvPr id="4" name="Slide Number Placeholder 3"/>
+          <p:cNvSpPr>
+            <a:spLocks noGrp="1"/>
+          </p:cNvSpPr>
+          <p:nvPr>
+            <p:ph type="sldNum" sz="quarter" idx="10"/>
+          </p:nvPr>
+        </p:nvSpPr>
+        <p:spPr/>
+        <p:txBody>
+          <a:bodyPr/>
+          <a:lstStyle/>
+          <a:p>
+            <a:fld id="{F7021451-1387-4CA6-816F-3879F97B5CBC}" type="slidenum">
+              <a:rPr lang="en-US"/>
+              <a:t>11</a:t>
+            </a:fld>
+            <a:endParaRPr lang="en-US"/>
+          </a:p>
+        </p:txBody>
+      </p:sp>
+    </p:spTree>
+    <p:extLst>
+      <p:ext uri="{BB962C8B-B14F-4D97-AF65-F5344CB8AC3E}">
+        <p14:creationId xmlns:p14="http://schemas.microsoft.com/office/powerpoint/2010/main" val="1024086991"/>
+      </p:ext>
+    </p:extLst>
+  </p:cSld>
+  <p:clrMapOvr>
+    <a:masterClrMapping/>
+  </p:clrMapOvr>
+</p:notes>
+</file>
+
+<file path=ppt/notesSlides/notesSlide12.xml><?xml version="1.0" encoding="utf-8"?>
+<p:notes xmlns:a="http://schemas.openxmlformats.org/drawingml/2006/main" xmlns:r="http://schemas.openxmlformats.org/officeDocument/2006/relationships" xmlns:p="http://schemas.openxmlformats.org/presentationml/2006/main">
+  <p:cSld>
+    <p:spTree>
+      <p:nvGrpSpPr>
+        <p:cNvPr id="1" name=""/>
+        <p:cNvGrpSpPr/>
+        <p:nvPr/>
+      </p:nvGrpSpPr>
+      <p:grpSpPr>
+        <a:xfrm>
+          <a:off x="0" y="0"/>
+          <a:ext cx="0" cy="0"/>
+          <a:chOff x="0" y="0"/>
+          <a:chExt cx="0" cy="0"/>
+        </a:xfrm>
+      </p:grpSpPr>
+      <p:sp>
+        <p:nvSpPr>
+          <p:cNvPr id="2" name="Slide Image Placeholder 1"/>
+          <p:cNvSpPr>
+            <a:spLocks noGrp="1" noRot="1" noChangeAspect="1"/>
+          </p:cNvSpPr>
+          <p:nvPr>
+            <p:ph type="sldImg"/>
+          </p:nvPr>
+        </p:nvSpPr>
+        <p:spPr/>
+      </p:sp>
+      <p:sp>
+        <p:nvSpPr>
+          <p:cNvPr id="3" name="Notes Placeholder 2"/>
+          <p:cNvSpPr>
+            <a:spLocks noGrp="1"/>
+          </p:cNvSpPr>
+          <p:nvPr>
+            <p:ph type="body" idx="1"/>
+          </p:nvPr>
+        </p:nvSpPr>
+        <p:spPr/>
+        <p:txBody>
+          <a:bodyPr/>
+          <a:lstStyle/>
+          <a:p>
+            <a:endParaRPr lang="en-US" dirty="0"/>
+          </a:p>
+        </p:txBody>
+      </p:sp>
+      <p:sp>
+        <p:nvSpPr>
+          <p:cNvPr id="4" name="Slide Number Placeholder 3"/>
+          <p:cNvSpPr>
+            <a:spLocks noGrp="1"/>
+          </p:cNvSpPr>
+          <p:nvPr>
+            <p:ph type="sldNum" sz="quarter" idx="10"/>
+          </p:nvPr>
+        </p:nvSpPr>
+        <p:spPr/>
+        <p:txBody>
+          <a:bodyPr/>
+          <a:lstStyle/>
+          <a:p>
+            <a:fld id="{F7021451-1387-4CA6-816F-3879F97B5CBC}" type="slidenum">
+              <a:rPr lang="en-US"/>
+              <a:t>12</a:t>
             </a:fld>
             <a:endParaRPr lang="en-US"/>
           </a:p>
@@ -2945,6 +3115,916 @@
 
 <file path=ppt/slides/slide10.xml><?xml version="1.0" encoding="utf-8"?>
 <p:sld xmlns:a="http://schemas.openxmlformats.org/drawingml/2006/main" xmlns:r="http://schemas.openxmlformats.org/officeDocument/2006/relationships" xmlns:p="http://schemas.openxmlformats.org/presentationml/2006/main">
+  <p:cSld name="Slide 8">
+    <p:spTree>
+      <p:nvGrpSpPr>
+        <p:cNvPr id="1" name=""/>
+        <p:cNvGrpSpPr/>
+        <p:nvPr/>
+      </p:nvGrpSpPr>
+      <p:grpSpPr>
+        <a:xfrm>
+          <a:off x="0" y="0"/>
+          <a:ext cx="0" cy="0"/>
+          <a:chOff x="0" y="0"/>
+          <a:chExt cx="0" cy="0"/>
+        </a:xfrm>
+      </p:grpSpPr>
+      <p:sp>
+        <p:nvSpPr>
+          <p:cNvPr id="2" name="Text 0"/>
+          <p:cNvSpPr/>
+          <p:nvPr/>
+        </p:nvSpPr>
+        <p:spPr>
+          <a:xfrm>
+            <a:off x="793790" y="2739866"/>
+            <a:ext cx="6575941" cy="566976"/>
+          </a:xfrm>
+          <a:prstGeom prst="rect">
+            <a:avLst/>
+          </a:prstGeom>
+          <a:noFill/>
+          <a:ln/>
+        </p:spPr>
+        <p:txBody>
+          <a:bodyPr wrap="none" lIns="0" tIns="0" rIns="0" bIns="0" rtlCol="0" anchor="t"/>
+          <a:lstStyle/>
+          <a:p>
+            <a:pPr marL="0" indent="0" algn="l">
+              <a:lnSpc>
+                <a:spcPts val="4450"/>
+              </a:lnSpc>
+              <a:buNone/>
+            </a:pPr>
+            <a:r>
+              <a:rPr lang="en-US" sz="3550" b="1" dirty="0">
+                <a:solidFill>
+                  <a:srgbClr val="F94CAF"/>
+                </a:solidFill>
+                <a:latin typeface="Inconsolata Bold" pitchFamily="34" charset="0"/>
+                <a:ea typeface="Inconsolata Bold" pitchFamily="34" charset="-122"/>
+                <a:cs typeface="Inconsolata Bold" pitchFamily="34" charset="-120"/>
+              </a:rPr>
+              <a:t>Criticità Tecniche Incontrate</a:t>
+            </a:r>
+            <a:endParaRPr lang="en-US" sz="3550" dirty="0"/>
+          </a:p>
+        </p:txBody>
+      </p:sp>
+      <p:sp>
+        <p:nvSpPr>
+          <p:cNvPr id="3" name="Shape 1"/>
+          <p:cNvSpPr/>
+          <p:nvPr/>
+        </p:nvSpPr>
+        <p:spPr>
+          <a:xfrm>
+            <a:off x="2424113" y="3760470"/>
+            <a:ext cx="3260646" cy="807958"/>
+          </a:xfrm>
+          <a:prstGeom prst="roundRect">
+            <a:avLst>
+              <a:gd name="adj" fmla="val 4211"/>
+            </a:avLst>
+          </a:prstGeom>
+          <a:solidFill>
+            <a:srgbClr val="433550"/>
+          </a:solidFill>
+          <a:ln/>
+        </p:spPr>
+        <p:txBody>
+          <a:bodyPr/>
+          <a:lstStyle/>
+          <a:p>
+            <a:endParaRPr lang="it-IT"/>
+          </a:p>
+        </p:txBody>
+      </p:sp>
+      <p:pic>
+        <p:nvPicPr>
+          <p:cNvPr id="4" name="Image 0" descr="preencoded.png"/>
+          <p:cNvPicPr>
+            <a:picLocks noChangeAspect="1"/>
+          </p:cNvPicPr>
+          <p:nvPr/>
+        </p:nvPicPr>
+        <p:blipFill>
+          <a:blip r:embed="rId3"/>
+          <a:stretch>
+            <a:fillRect/>
+          </a:stretch>
+        </p:blipFill>
+        <p:spPr>
+          <a:xfrm>
+            <a:off x="3894892" y="3965138"/>
+            <a:ext cx="318968" cy="398621"/>
+          </a:xfrm>
+          <a:prstGeom prst="rect">
+            <a:avLst/>
+          </a:prstGeom>
+        </p:spPr>
+      </p:pic>
+      <p:sp>
+        <p:nvSpPr>
+          <p:cNvPr id="5" name="Text 2"/>
+          <p:cNvSpPr/>
+          <p:nvPr/>
+        </p:nvSpPr>
+        <p:spPr>
+          <a:xfrm>
+            <a:off x="5911572" y="3987284"/>
+            <a:ext cx="3967282" cy="354330"/>
+          </a:xfrm>
+          <a:prstGeom prst="rect">
+            <a:avLst/>
+          </a:prstGeom>
+          <a:noFill/>
+          <a:ln/>
+        </p:spPr>
+        <p:txBody>
+          <a:bodyPr wrap="none" lIns="0" tIns="0" rIns="0" bIns="0" rtlCol="0" anchor="t"/>
+          <a:lstStyle/>
+          <a:p>
+            <a:pPr marL="0" indent="0" algn="l">
+              <a:lnSpc>
+                <a:spcPts val="2750"/>
+              </a:lnSpc>
+              <a:buNone/>
+            </a:pPr>
+            <a:r>
+              <a:rPr lang="en-US" sz="2200" b="1" dirty="0">
+                <a:solidFill>
+                  <a:srgbClr val="DAD1E6"/>
+                </a:solidFill>
+                <a:latin typeface="Inconsolata Bold" pitchFamily="34" charset="0"/>
+                <a:ea typeface="Inconsolata Bold" pitchFamily="34" charset="-122"/>
+                <a:cs typeface="Inconsolata Bold" pitchFamily="34" charset="-120"/>
+              </a:rPr>
+              <a:t>Account AWS Academy Bloccati</a:t>
+            </a:r>
+            <a:endParaRPr lang="en-US" sz="2200" dirty="0"/>
+          </a:p>
+        </p:txBody>
+      </p:sp>
+      <p:sp>
+        <p:nvSpPr>
+          <p:cNvPr id="6" name="Shape 3"/>
+          <p:cNvSpPr/>
+          <p:nvPr/>
+        </p:nvSpPr>
+        <p:spPr>
+          <a:xfrm>
+            <a:off x="5798106" y="4553188"/>
+            <a:ext cx="7925157" cy="15240"/>
+          </a:xfrm>
+          <a:prstGeom prst="roundRect">
+            <a:avLst>
+              <a:gd name="adj" fmla="val 223256"/>
+            </a:avLst>
+          </a:prstGeom>
+          <a:solidFill>
+            <a:srgbClr val="5C4E69"/>
+          </a:solidFill>
+          <a:ln/>
+        </p:spPr>
+        <p:txBody>
+          <a:bodyPr/>
+          <a:lstStyle/>
+          <a:p>
+            <a:endParaRPr lang="it-IT"/>
+          </a:p>
+        </p:txBody>
+      </p:sp>
+      <p:sp>
+        <p:nvSpPr>
+          <p:cNvPr id="7" name="Shape 4"/>
+          <p:cNvSpPr/>
+          <p:nvPr/>
+        </p:nvSpPr>
+        <p:spPr>
+          <a:xfrm>
+            <a:off x="793790" y="4681776"/>
+            <a:ext cx="6521410" cy="807958"/>
+          </a:xfrm>
+          <a:prstGeom prst="roundRect">
+            <a:avLst>
+              <a:gd name="adj" fmla="val 4211"/>
+            </a:avLst>
+          </a:prstGeom>
+          <a:solidFill>
+            <a:srgbClr val="433550"/>
+          </a:solidFill>
+          <a:ln/>
+        </p:spPr>
+        <p:txBody>
+          <a:bodyPr/>
+          <a:lstStyle/>
+          <a:p>
+            <a:endParaRPr lang="it-IT"/>
+          </a:p>
+        </p:txBody>
+      </p:sp>
+      <p:pic>
+        <p:nvPicPr>
+          <p:cNvPr id="8" name="Image 1" descr="preencoded.png"/>
+          <p:cNvPicPr>
+            <a:picLocks noChangeAspect="1"/>
+          </p:cNvPicPr>
+          <p:nvPr/>
+        </p:nvPicPr>
+        <p:blipFill>
+          <a:blip r:embed="rId4"/>
+          <a:stretch>
+            <a:fillRect/>
+          </a:stretch>
+        </p:blipFill>
+        <p:spPr>
+          <a:xfrm>
+            <a:off x="3895011" y="4886444"/>
+            <a:ext cx="318968" cy="398621"/>
+          </a:xfrm>
+          <a:prstGeom prst="rect">
+            <a:avLst/>
+          </a:prstGeom>
+        </p:spPr>
+      </p:pic>
+      <p:sp>
+        <p:nvSpPr>
+          <p:cNvPr id="9" name="Text 5"/>
+          <p:cNvSpPr/>
+          <p:nvPr/>
+        </p:nvSpPr>
+        <p:spPr>
+          <a:xfrm>
+            <a:off x="7542014" y="4908590"/>
+            <a:ext cx="4675703" cy="354330"/>
+          </a:xfrm>
+          <a:prstGeom prst="rect">
+            <a:avLst/>
+          </a:prstGeom>
+          <a:noFill/>
+          <a:ln/>
+        </p:spPr>
+        <p:txBody>
+          <a:bodyPr wrap="none" lIns="0" tIns="0" rIns="0" bIns="0" rtlCol="0" anchor="t"/>
+          <a:lstStyle/>
+          <a:p>
+            <a:pPr marL="0" indent="0" algn="l">
+              <a:lnSpc>
+                <a:spcPts val="2750"/>
+              </a:lnSpc>
+              <a:buNone/>
+            </a:pPr>
+            <a:r>
+              <a:rPr lang="en-US" sz="2200" b="1" dirty="0">
+                <a:solidFill>
+                  <a:srgbClr val="DAD1E6"/>
+                </a:solidFill>
+                <a:latin typeface="Inconsolata Bold" pitchFamily="34" charset="0"/>
+                <a:ea typeface="Inconsolata Bold" pitchFamily="34" charset="-122"/>
+                <a:cs typeface="Inconsolata Bold" pitchFamily="34" charset="-120"/>
+              </a:rPr>
+              <a:t>Interpretazione Errori CloudWatch</a:t>
+            </a:r>
+            <a:endParaRPr lang="en-US" sz="2200" dirty="0"/>
+          </a:p>
+        </p:txBody>
+      </p:sp>
+      <p:sp>
+        <p:nvSpPr>
+          <p:cNvPr id="10" name="Rettangolo 9">
+            <a:extLst>
+              <a:ext uri="{FF2B5EF4-FFF2-40B4-BE49-F238E27FC236}">
+                <a16:creationId xmlns:a16="http://schemas.microsoft.com/office/drawing/2014/main" id="{BB4C7455-58CC-33DB-DCB0-566AB35159DD}"/>
+              </a:ext>
+            </a:extLst>
+          </p:cNvPr>
+          <p:cNvSpPr/>
+          <p:nvPr/>
+        </p:nvSpPr>
+        <p:spPr>
+          <a:xfrm>
+            <a:off x="12814126" y="7515616"/>
+            <a:ext cx="1816274" cy="713984"/>
+          </a:xfrm>
+          <a:prstGeom prst="rect">
+            <a:avLst/>
+          </a:prstGeom>
+          <a:solidFill>
+            <a:srgbClr val="241630"/>
+          </a:solidFill>
+          <a:ln>
+            <a:noFill/>
+          </a:ln>
+        </p:spPr>
+        <p:style>
+          <a:lnRef idx="2">
+            <a:schemeClr val="accent1">
+              <a:shade val="15000"/>
+            </a:schemeClr>
+          </a:lnRef>
+          <a:fillRef idx="1">
+            <a:schemeClr val="accent1"/>
+          </a:fillRef>
+          <a:effectRef idx="0">
+            <a:schemeClr val="accent1"/>
+          </a:effectRef>
+          <a:fontRef idx="minor">
+            <a:schemeClr val="lt1"/>
+          </a:fontRef>
+        </p:style>
+        <p:txBody>
+          <a:bodyPr rtlCol="0" anchor="ctr"/>
+          <a:lstStyle/>
+          <a:p>
+            <a:pPr algn="ctr"/>
+            <a:endParaRPr lang="it-IT"/>
+          </a:p>
+        </p:txBody>
+      </p:sp>
+    </p:spTree>
+  </p:cSld>
+  <p:clrMapOvr>
+    <a:masterClrMapping/>
+  </p:clrMapOvr>
+</p:sld>
+</file>
+
+<file path=ppt/slides/slide11.xml><?xml version="1.0" encoding="utf-8"?>
+<p:sld xmlns:a="http://schemas.openxmlformats.org/drawingml/2006/main" xmlns:r="http://schemas.openxmlformats.org/officeDocument/2006/relationships" xmlns:p="http://schemas.openxmlformats.org/presentationml/2006/main">
+  <p:cSld name="Slide 9">
+    <p:spTree>
+      <p:nvGrpSpPr>
+        <p:cNvPr id="1" name=""/>
+        <p:cNvGrpSpPr/>
+        <p:nvPr/>
+      </p:nvGrpSpPr>
+      <p:grpSpPr>
+        <a:xfrm>
+          <a:off x="0" y="0"/>
+          <a:ext cx="0" cy="0"/>
+          <a:chOff x="0" y="0"/>
+          <a:chExt cx="0" cy="0"/>
+        </a:xfrm>
+      </p:grpSpPr>
+      <p:sp>
+        <p:nvSpPr>
+          <p:cNvPr id="2" name="Text 0"/>
+          <p:cNvSpPr/>
+          <p:nvPr/>
+        </p:nvSpPr>
+        <p:spPr>
+          <a:xfrm>
+            <a:off x="793790" y="982623"/>
+            <a:ext cx="5817037" cy="538758"/>
+          </a:xfrm>
+          <a:prstGeom prst="rect">
+            <a:avLst/>
+          </a:prstGeom>
+          <a:noFill/>
+          <a:ln/>
+        </p:spPr>
+        <p:txBody>
+          <a:bodyPr wrap="none" lIns="0" tIns="0" rIns="0" bIns="0" rtlCol="0" anchor="t"/>
+          <a:lstStyle/>
+          <a:p>
+            <a:pPr marL="0" indent="0" algn="l">
+              <a:lnSpc>
+                <a:spcPts val="4200"/>
+              </a:lnSpc>
+              <a:buNone/>
+            </a:pPr>
+            <a:r>
+              <a:rPr lang="en-US" sz="3350" b="1" dirty="0">
+                <a:solidFill>
+                  <a:srgbClr val="F94CAF"/>
+                </a:solidFill>
+                <a:latin typeface="Inconsolata Bold" pitchFamily="34" charset="0"/>
+                <a:ea typeface="Inconsolata Bold" pitchFamily="34" charset="-122"/>
+                <a:cs typeface="Inconsolata Bold" pitchFamily="34" charset="-120"/>
+              </a:rPr>
+              <a:t>Possibili Evoluzioni Future</a:t>
+            </a:r>
+            <a:endParaRPr lang="en-US" sz="3350" dirty="0"/>
+          </a:p>
+        </p:txBody>
+      </p:sp>
+      <p:sp>
+        <p:nvSpPr>
+          <p:cNvPr id="3" name="Text 1"/>
+          <p:cNvSpPr/>
+          <p:nvPr/>
+        </p:nvSpPr>
+        <p:spPr>
+          <a:xfrm>
+            <a:off x="793790" y="1763792"/>
+            <a:ext cx="13042821" cy="344805"/>
+          </a:xfrm>
+          <a:prstGeom prst="rect">
+            <a:avLst/>
+          </a:prstGeom>
+          <a:noFill/>
+          <a:ln/>
+        </p:spPr>
+        <p:txBody>
+          <a:bodyPr wrap="none" lIns="0" tIns="0" rIns="0" bIns="0" rtlCol="0" anchor="t"/>
+          <a:lstStyle/>
+          <a:p>
+            <a:pPr marL="0" indent="0" algn="l">
+              <a:lnSpc>
+                <a:spcPts val="2700"/>
+              </a:lnSpc>
+              <a:buNone/>
+            </a:pPr>
+            <a:r>
+              <a:rPr lang="en-US" sz="1650" dirty="0">
+                <a:solidFill>
+                  <a:srgbClr val="DAD1E6"/>
+                </a:solidFill>
+                <a:latin typeface="Fira Sans" pitchFamily="34" charset="0"/>
+                <a:ea typeface="Fira Sans" pitchFamily="34" charset="-122"/>
+                <a:cs typeface="Fira Sans" pitchFamily="34" charset="-120"/>
+              </a:rPr>
+              <a:t>Idee per espandere e migliorare TedxMatch.</a:t>
+            </a:r>
+            <a:endParaRPr lang="en-US" sz="1650" dirty="0"/>
+          </a:p>
+        </p:txBody>
+      </p:sp>
+      <p:sp>
+        <p:nvSpPr>
+          <p:cNvPr id="4" name="Shape 2"/>
+          <p:cNvSpPr/>
+          <p:nvPr/>
+        </p:nvSpPr>
+        <p:spPr>
+          <a:xfrm>
+            <a:off x="793790" y="2351008"/>
+            <a:ext cx="861893" cy="1292900"/>
+          </a:xfrm>
+          <a:prstGeom prst="roundRect">
+            <a:avLst>
+              <a:gd name="adj" fmla="val 360022"/>
+            </a:avLst>
+          </a:prstGeom>
+          <a:solidFill>
+            <a:srgbClr val="433550"/>
+          </a:solidFill>
+          <a:ln/>
+        </p:spPr>
+        <p:txBody>
+          <a:bodyPr/>
+          <a:lstStyle/>
+          <a:p>
+            <a:endParaRPr lang="it-IT"/>
+          </a:p>
+        </p:txBody>
+      </p:sp>
+      <p:pic>
+        <p:nvPicPr>
+          <p:cNvPr id="5" name="Image 0" descr="preencoded.png"/>
+          <p:cNvPicPr>
+            <a:picLocks noChangeAspect="1"/>
+          </p:cNvPicPr>
+          <p:nvPr/>
+        </p:nvPicPr>
+        <p:blipFill>
+          <a:blip r:embed="rId3"/>
+          <a:stretch>
+            <a:fillRect/>
+          </a:stretch>
+        </p:blipFill>
+        <p:spPr>
+          <a:xfrm>
+            <a:off x="1063109" y="2795468"/>
+            <a:ext cx="323136" cy="403979"/>
+          </a:xfrm>
+          <a:prstGeom prst="rect">
+            <a:avLst/>
+          </a:prstGeom>
+        </p:spPr>
+      </p:pic>
+      <p:sp>
+        <p:nvSpPr>
+          <p:cNvPr id="6" name="Text 3"/>
+          <p:cNvSpPr/>
+          <p:nvPr/>
+        </p:nvSpPr>
+        <p:spPr>
+          <a:xfrm>
+            <a:off x="1871067" y="2566392"/>
+            <a:ext cx="2693551" cy="336590"/>
+          </a:xfrm>
+          <a:prstGeom prst="rect">
+            <a:avLst/>
+          </a:prstGeom>
+          <a:noFill/>
+          <a:ln/>
+        </p:spPr>
+        <p:txBody>
+          <a:bodyPr wrap="none" lIns="0" tIns="0" rIns="0" bIns="0" rtlCol="0" anchor="t"/>
+          <a:lstStyle/>
+          <a:p>
+            <a:pPr marL="0" indent="0" algn="l">
+              <a:lnSpc>
+                <a:spcPts val="2650"/>
+              </a:lnSpc>
+              <a:buNone/>
+            </a:pPr>
+            <a:r>
+              <a:rPr lang="en-US" sz="2100" b="1" dirty="0">
+                <a:solidFill>
+                  <a:srgbClr val="DAD1E6"/>
+                </a:solidFill>
+                <a:latin typeface="Inconsolata Bold" pitchFamily="34" charset="0"/>
+                <a:ea typeface="Inconsolata Bold" pitchFamily="34" charset="-122"/>
+                <a:cs typeface="Inconsolata Bold" pitchFamily="34" charset="-120"/>
+              </a:rPr>
+              <a:t>Amazon Personalize</a:t>
+            </a:r>
+            <a:endParaRPr lang="en-US" sz="2100" dirty="0"/>
+          </a:p>
+        </p:txBody>
+      </p:sp>
+      <p:sp>
+        <p:nvSpPr>
+          <p:cNvPr id="7" name="Text 4"/>
+          <p:cNvSpPr/>
+          <p:nvPr/>
+        </p:nvSpPr>
+        <p:spPr>
+          <a:xfrm>
+            <a:off x="1871067" y="3032165"/>
+            <a:ext cx="11965543" cy="344805"/>
+          </a:xfrm>
+          <a:prstGeom prst="rect">
+            <a:avLst/>
+          </a:prstGeom>
+          <a:noFill/>
+          <a:ln/>
+        </p:spPr>
+        <p:txBody>
+          <a:bodyPr wrap="none" lIns="0" tIns="0" rIns="0" bIns="0" rtlCol="0" anchor="t"/>
+          <a:lstStyle/>
+          <a:p>
+            <a:pPr marL="0" indent="0" algn="l">
+              <a:lnSpc>
+                <a:spcPts val="2700"/>
+              </a:lnSpc>
+              <a:buNone/>
+            </a:pPr>
+            <a:r>
+              <a:rPr lang="en-US" sz="1650" dirty="0">
+                <a:solidFill>
+                  <a:srgbClr val="DAD1E6"/>
+                </a:solidFill>
+                <a:latin typeface="Fira Sans" pitchFamily="34" charset="0"/>
+                <a:ea typeface="Fira Sans" pitchFamily="34" charset="-122"/>
+                <a:cs typeface="Fira Sans" pitchFamily="34" charset="-120"/>
+              </a:rPr>
+              <a:t>Per sistemi di raccomandazione personalizzati basati su Machine Learning, offrendo suggerimenti pertinenti agli utenti.</a:t>
+            </a:r>
+            <a:endParaRPr lang="en-US" sz="1650" dirty="0"/>
+          </a:p>
+        </p:txBody>
+      </p:sp>
+      <p:sp>
+        <p:nvSpPr>
+          <p:cNvPr id="8" name="Shape 5"/>
+          <p:cNvSpPr/>
+          <p:nvPr/>
+        </p:nvSpPr>
+        <p:spPr>
+          <a:xfrm>
+            <a:off x="793790" y="3859292"/>
+            <a:ext cx="861893" cy="1586151"/>
+          </a:xfrm>
+          <a:prstGeom prst="roundRect">
+            <a:avLst>
+              <a:gd name="adj" fmla="val 360022"/>
+            </a:avLst>
+          </a:prstGeom>
+          <a:solidFill>
+            <a:srgbClr val="433550"/>
+          </a:solidFill>
+          <a:ln/>
+        </p:spPr>
+        <p:txBody>
+          <a:bodyPr/>
+          <a:lstStyle/>
+          <a:p>
+            <a:endParaRPr lang="it-IT"/>
+          </a:p>
+        </p:txBody>
+      </p:sp>
+      <p:pic>
+        <p:nvPicPr>
+          <p:cNvPr id="9" name="Image 1" descr="preencoded.png"/>
+          <p:cNvPicPr>
+            <a:picLocks noChangeAspect="1"/>
+          </p:cNvPicPr>
+          <p:nvPr/>
+        </p:nvPicPr>
+        <p:blipFill>
+          <a:blip r:embed="rId4"/>
+          <a:stretch>
+            <a:fillRect/>
+          </a:stretch>
+        </p:blipFill>
+        <p:spPr>
+          <a:xfrm>
+            <a:off x="1063109" y="4450318"/>
+            <a:ext cx="323136" cy="403979"/>
+          </a:xfrm>
+          <a:prstGeom prst="rect">
+            <a:avLst/>
+          </a:prstGeom>
+        </p:spPr>
+      </p:pic>
+      <p:sp>
+        <p:nvSpPr>
+          <p:cNvPr id="10" name="Text 6"/>
+          <p:cNvSpPr/>
+          <p:nvPr/>
+        </p:nvSpPr>
+        <p:spPr>
+          <a:xfrm>
+            <a:off x="1871067" y="4074676"/>
+            <a:ext cx="2693551" cy="336590"/>
+          </a:xfrm>
+          <a:prstGeom prst="rect">
+            <a:avLst/>
+          </a:prstGeom>
+          <a:noFill/>
+          <a:ln/>
+        </p:spPr>
+        <p:txBody>
+          <a:bodyPr wrap="none" lIns="0" tIns="0" rIns="0" bIns="0" rtlCol="0" anchor="t"/>
+          <a:lstStyle/>
+          <a:p>
+            <a:pPr marL="0" indent="0" algn="l">
+              <a:lnSpc>
+                <a:spcPts val="2650"/>
+              </a:lnSpc>
+              <a:buNone/>
+            </a:pPr>
+            <a:r>
+              <a:rPr lang="en-US" sz="2100" b="1" dirty="0">
+                <a:solidFill>
+                  <a:srgbClr val="DAD1E6"/>
+                </a:solidFill>
+                <a:latin typeface="Inconsolata Bold" pitchFamily="34" charset="0"/>
+                <a:ea typeface="Inconsolata Bold" pitchFamily="34" charset="-122"/>
+                <a:cs typeface="Inconsolata Bold" pitchFamily="34" charset="-120"/>
+              </a:rPr>
+              <a:t>Amazon Kinesis</a:t>
+            </a:r>
+            <a:endParaRPr lang="en-US" sz="2100" dirty="0"/>
+          </a:p>
+        </p:txBody>
+      </p:sp>
+      <p:sp>
+        <p:nvSpPr>
+          <p:cNvPr id="11" name="Text 7"/>
+          <p:cNvSpPr/>
+          <p:nvPr/>
+        </p:nvSpPr>
+        <p:spPr>
+          <a:xfrm>
+            <a:off x="1871067" y="4540448"/>
+            <a:ext cx="11965543" cy="689610"/>
+          </a:xfrm>
+          <a:prstGeom prst="rect">
+            <a:avLst/>
+          </a:prstGeom>
+          <a:noFill/>
+          <a:ln/>
+        </p:spPr>
+        <p:txBody>
+          <a:bodyPr wrap="square" lIns="0" tIns="0" rIns="0" bIns="0" rtlCol="0" anchor="t"/>
+          <a:lstStyle/>
+          <a:p>
+            <a:pPr marL="0" indent="0" algn="l">
+              <a:lnSpc>
+                <a:spcPts val="2700"/>
+              </a:lnSpc>
+              <a:buNone/>
+            </a:pPr>
+            <a:r>
+              <a:rPr lang="en-US" sz="1650" dirty="0">
+                <a:solidFill>
+                  <a:srgbClr val="DAD1E6"/>
+                </a:solidFill>
+                <a:latin typeface="Fira Sans" pitchFamily="34" charset="0"/>
+                <a:ea typeface="Fira Sans" pitchFamily="34" charset="-122"/>
+                <a:cs typeface="Fira Sans" pitchFamily="34" charset="-120"/>
+              </a:rPr>
+              <a:t>Per l'elaborazione e l'analisi in tempo reale dei dati di streaming, permettendo di reagire rapidamente alle interazioni degli utenti.</a:t>
+            </a:r>
+            <a:endParaRPr lang="en-US" sz="1650" dirty="0"/>
+          </a:p>
+        </p:txBody>
+      </p:sp>
+      <p:sp>
+        <p:nvSpPr>
+          <p:cNvPr id="12" name="Shape 8"/>
+          <p:cNvSpPr/>
+          <p:nvPr/>
+        </p:nvSpPr>
+        <p:spPr>
+          <a:xfrm>
+            <a:off x="793790" y="5660827"/>
+            <a:ext cx="861893" cy="1586151"/>
+          </a:xfrm>
+          <a:prstGeom prst="roundRect">
+            <a:avLst>
+              <a:gd name="adj" fmla="val 360022"/>
+            </a:avLst>
+          </a:prstGeom>
+          <a:solidFill>
+            <a:srgbClr val="433550"/>
+          </a:solidFill>
+          <a:ln/>
+        </p:spPr>
+        <p:txBody>
+          <a:bodyPr/>
+          <a:lstStyle/>
+          <a:p>
+            <a:endParaRPr lang="it-IT"/>
+          </a:p>
+        </p:txBody>
+      </p:sp>
+      <p:pic>
+        <p:nvPicPr>
+          <p:cNvPr id="13" name="Image 2" descr="preencoded.png"/>
+          <p:cNvPicPr>
+            <a:picLocks noChangeAspect="1"/>
+          </p:cNvPicPr>
+          <p:nvPr/>
+        </p:nvPicPr>
+        <p:blipFill>
+          <a:blip r:embed="rId5"/>
+          <a:stretch>
+            <a:fillRect/>
+          </a:stretch>
+        </p:blipFill>
+        <p:spPr>
+          <a:xfrm>
+            <a:off x="1063109" y="6251853"/>
+            <a:ext cx="323136" cy="403979"/>
+          </a:xfrm>
+          <a:prstGeom prst="rect">
+            <a:avLst/>
+          </a:prstGeom>
+        </p:spPr>
+      </p:pic>
+      <p:sp>
+        <p:nvSpPr>
+          <p:cNvPr id="14" name="Text 9"/>
+          <p:cNvSpPr/>
+          <p:nvPr/>
+        </p:nvSpPr>
+        <p:spPr>
+          <a:xfrm>
+            <a:off x="1871067" y="5876211"/>
+            <a:ext cx="2693551" cy="336590"/>
+          </a:xfrm>
+          <a:prstGeom prst="rect">
+            <a:avLst/>
+          </a:prstGeom>
+          <a:noFill/>
+          <a:ln/>
+        </p:spPr>
+        <p:txBody>
+          <a:bodyPr wrap="none" lIns="0" tIns="0" rIns="0" bIns="0" rtlCol="0" anchor="t"/>
+          <a:lstStyle/>
+          <a:p>
+            <a:pPr marL="0" indent="0" algn="l">
+              <a:lnSpc>
+                <a:spcPts val="2650"/>
+              </a:lnSpc>
+              <a:buNone/>
+            </a:pPr>
+            <a:r>
+              <a:rPr lang="en-US" sz="2100" b="1" dirty="0">
+                <a:solidFill>
+                  <a:srgbClr val="DAD1E6"/>
+                </a:solidFill>
+                <a:latin typeface="Inconsolata Bold" pitchFamily="34" charset="0"/>
+                <a:ea typeface="Inconsolata Bold" pitchFamily="34" charset="-122"/>
+                <a:cs typeface="Inconsolata Bold" pitchFamily="34" charset="-120"/>
+              </a:rPr>
+              <a:t>Amazon SageMaker</a:t>
+            </a:r>
+            <a:endParaRPr lang="en-US" sz="2100" dirty="0"/>
+          </a:p>
+        </p:txBody>
+      </p:sp>
+      <p:sp>
+        <p:nvSpPr>
+          <p:cNvPr id="15" name="Text 10"/>
+          <p:cNvSpPr/>
+          <p:nvPr/>
+        </p:nvSpPr>
+        <p:spPr>
+          <a:xfrm>
+            <a:off x="1871067" y="6341983"/>
+            <a:ext cx="11965543" cy="689610"/>
+          </a:xfrm>
+          <a:prstGeom prst="rect">
+            <a:avLst/>
+          </a:prstGeom>
+          <a:noFill/>
+          <a:ln/>
+        </p:spPr>
+        <p:txBody>
+          <a:bodyPr wrap="square" lIns="0" tIns="0" rIns="0" bIns="0" rtlCol="0" anchor="t"/>
+          <a:lstStyle/>
+          <a:p>
+            <a:pPr marL="0" indent="0" algn="l">
+              <a:lnSpc>
+                <a:spcPts val="2700"/>
+              </a:lnSpc>
+              <a:buNone/>
+            </a:pPr>
+            <a:r>
+              <a:rPr lang="en-US" sz="1650" dirty="0">
+                <a:solidFill>
+                  <a:srgbClr val="DAD1E6"/>
+                </a:solidFill>
+                <a:latin typeface="Fira Sans" pitchFamily="34" charset="0"/>
+                <a:ea typeface="Fira Sans" pitchFamily="34" charset="-122"/>
+                <a:cs typeface="Fira Sans" pitchFamily="34" charset="-120"/>
+              </a:rPr>
+              <a:t>Per lo sviluppo, l'addestramento e il deployment di modelli di Machine Learning avanzati, supportando l'innovazione continua.</a:t>
+            </a:r>
+            <a:endParaRPr lang="en-US" sz="1650" dirty="0"/>
+          </a:p>
+        </p:txBody>
+      </p:sp>
+      <p:sp>
+        <p:nvSpPr>
+          <p:cNvPr id="16" name="Rettangolo 15">
+            <a:extLst>
+              <a:ext uri="{FF2B5EF4-FFF2-40B4-BE49-F238E27FC236}">
+                <a16:creationId xmlns:a16="http://schemas.microsoft.com/office/drawing/2014/main" id="{176BCE28-1B3E-ADD8-E8B9-150F9BCF6F9E}"/>
+              </a:ext>
+            </a:extLst>
+          </p:cNvPr>
+          <p:cNvSpPr/>
+          <p:nvPr/>
+        </p:nvSpPr>
+        <p:spPr>
+          <a:xfrm>
+            <a:off x="12814126" y="7515616"/>
+            <a:ext cx="1816274" cy="713984"/>
+          </a:xfrm>
+          <a:prstGeom prst="rect">
+            <a:avLst/>
+          </a:prstGeom>
+          <a:solidFill>
+            <a:srgbClr val="241630"/>
+          </a:solidFill>
+          <a:ln>
+            <a:noFill/>
+          </a:ln>
+        </p:spPr>
+        <p:style>
+          <a:lnRef idx="2">
+            <a:schemeClr val="accent1">
+              <a:shade val="15000"/>
+            </a:schemeClr>
+          </a:lnRef>
+          <a:fillRef idx="1">
+            <a:schemeClr val="accent1"/>
+          </a:fillRef>
+          <a:effectRef idx="0">
+            <a:schemeClr val="accent1"/>
+          </a:effectRef>
+          <a:fontRef idx="minor">
+            <a:schemeClr val="lt1"/>
+          </a:fontRef>
+        </p:style>
+        <p:txBody>
+          <a:bodyPr rtlCol="0" anchor="ctr"/>
+          <a:lstStyle/>
+          <a:p>
+            <a:pPr algn="ctr"/>
+            <a:endParaRPr lang="it-IT"/>
+          </a:p>
+        </p:txBody>
+      </p:sp>
+    </p:spTree>
+  </p:cSld>
+  <p:clrMapOvr>
+    <a:masterClrMapping/>
+  </p:clrMapOvr>
+</p:sld>
+</file>
+
+<file path=ppt/slides/slide12.xml><?xml version="1.0" encoding="utf-8"?>
+<p:sld xmlns:a="http://schemas.openxmlformats.org/drawingml/2006/main" xmlns:r="http://schemas.openxmlformats.org/officeDocument/2006/relationships" xmlns:p="http://schemas.openxmlformats.org/presentationml/2006/main">
   <p:cSld name="Slide 10">
     <p:spTree>
       <p:nvGrpSpPr>
@@ -7296,7 +8376,7 @@
 
 <file path=ppt/slides/slide8.xml><?xml version="1.0" encoding="utf-8"?>
 <p:sld xmlns:a="http://schemas.openxmlformats.org/drawingml/2006/main" xmlns:r="http://schemas.openxmlformats.org/officeDocument/2006/relationships" xmlns:p="http://schemas.openxmlformats.org/presentationml/2006/main">
-  <p:cSld name="Slide 8">
+  <p:cSld>
     <p:spTree>
       <p:nvGrpSpPr>
         <p:cNvPr id="1" name=""/>
@@ -7319,8 +8399,8 @@
         </p:nvSpPr>
         <p:spPr>
           <a:xfrm>
-            <a:off x="793790" y="2739866"/>
-            <a:ext cx="6575941" cy="566976"/>
+            <a:off x="793790" y="913209"/>
+            <a:ext cx="4790599" cy="460772"/>
           </a:xfrm>
           <a:prstGeom prst="rect">
             <a:avLst/>
@@ -7334,12 +8414,12 @@
           <a:p>
             <a:pPr marL="0" indent="0" algn="l">
               <a:lnSpc>
-                <a:spcPts val="4450"/>
-              </a:lnSpc>
-              <a:buNone/>
-            </a:pPr>
-            <a:r>
-              <a:rPr lang="en-US" sz="3550" b="1" dirty="0">
+                <a:spcPts val="3600"/>
+              </a:lnSpc>
+              <a:buNone/>
+            </a:pPr>
+            <a:r>
+              <a:rPr lang="en-US" sz="2900" b="1" dirty="0">
                 <a:solidFill>
                   <a:srgbClr val="F94CAF"/>
                 </a:solidFill>
@@ -7347,26 +8427,102 @@
                 <a:ea typeface="Inconsolata Bold" pitchFamily="34" charset="-122"/>
                 <a:cs typeface="Inconsolata Bold" pitchFamily="34" charset="-120"/>
               </a:rPr>
-              <a:t>Criticità Tecniche Incontrate</a:t>
-            </a:r>
-            <a:endParaRPr lang="en-US" sz="3550" dirty="0"/>
-          </a:p>
-        </p:txBody>
-      </p:sp>
-      <p:sp>
-        <p:nvSpPr>
-          <p:cNvPr id="3" name="Shape 1"/>
-          <p:cNvSpPr/>
-          <p:nvPr/>
-        </p:nvSpPr>
-        <p:spPr>
-          <a:xfrm>
-            <a:off x="2424113" y="3760470"/>
-            <a:ext cx="3260646" cy="807958"/>
+              <a:t>Operazioni svolte sui dati</a:t>
+            </a:r>
+            <a:endParaRPr lang="en-US" sz="2900" dirty="0"/>
+          </a:p>
+        </p:txBody>
+      </p:sp>
+      <p:sp>
+        <p:nvSpPr>
+          <p:cNvPr id="3" name="Text 1"/>
+          <p:cNvSpPr/>
+          <p:nvPr/>
+        </p:nvSpPr>
+        <p:spPr>
+          <a:xfrm>
+            <a:off x="793790" y="1668780"/>
+            <a:ext cx="13042821" cy="235744"/>
+          </a:xfrm>
+          <a:prstGeom prst="rect">
+            <a:avLst/>
+          </a:prstGeom>
+          <a:noFill/>
+          <a:ln/>
+        </p:spPr>
+        <p:txBody>
+          <a:bodyPr wrap="none" lIns="0" tIns="0" rIns="0" bIns="0" rtlCol="0" anchor="t"/>
+          <a:lstStyle/>
+          <a:p>
+            <a:pPr marL="0" indent="0" algn="l">
+              <a:lnSpc>
+                <a:spcPts val="1850"/>
+              </a:lnSpc>
+              <a:buNone/>
+            </a:pPr>
+            <a:r>
+              <a:rPr lang="en-US" sz="1150" dirty="0">
+                <a:solidFill>
+                  <a:srgbClr val="DAD1E6"/>
+                </a:solidFill>
+                <a:latin typeface="Fira Sans" pitchFamily="34" charset="0"/>
+                <a:ea typeface="Fira Sans" pitchFamily="34" charset="-122"/>
+                <a:cs typeface="Fira Sans" pitchFamily="34" charset="-120"/>
+              </a:rPr>
+              <a:t>Per trasformare i dati grezzi in formato csv in un formato strutturato, abbiamo eseguito le seguenti operazioni:</a:t>
+            </a:r>
+            <a:endParaRPr lang="en-US" sz="1150" dirty="0"/>
+          </a:p>
+        </p:txBody>
+      </p:sp>
+      <p:sp>
+        <p:nvSpPr>
+          <p:cNvPr id="4" name="Shape 2"/>
+          <p:cNvSpPr/>
+          <p:nvPr/>
+        </p:nvSpPr>
+        <p:spPr>
+          <a:xfrm>
+            <a:off x="793790" y="2070378"/>
+            <a:ext cx="13042821" cy="884515"/>
           </a:xfrm>
           <a:prstGeom prst="roundRect">
             <a:avLst>
-              <a:gd name="adj" fmla="val 4211"/>
+              <a:gd name="adj" fmla="val 2500"/>
+            </a:avLst>
+          </a:prstGeom>
+          <a:solidFill>
+            <a:srgbClr val="241631"/>
+          </a:solidFill>
+          <a:ln w="15240">
+            <a:solidFill>
+              <a:srgbClr val="5C4E69"/>
+            </a:solidFill>
+            <a:prstDash val="solid"/>
+          </a:ln>
+        </p:spPr>
+        <p:txBody>
+          <a:bodyPr/>
+          <a:lstStyle/>
+          <a:p>
+            <a:endParaRPr lang="it-IT"/>
+          </a:p>
+        </p:txBody>
+      </p:sp>
+      <p:sp>
+        <p:nvSpPr>
+          <p:cNvPr id="5" name="Shape 3"/>
+          <p:cNvSpPr/>
+          <p:nvPr/>
+        </p:nvSpPr>
+        <p:spPr>
+          <a:xfrm>
+            <a:off x="809030" y="2085618"/>
+            <a:ext cx="589717" cy="854035"/>
+          </a:xfrm>
+          <a:prstGeom prst="roundRect">
+            <a:avLst>
+              <a:gd name="adj" fmla="val 649"/>
             </a:avLst>
           </a:prstGeom>
           <a:solidFill>
@@ -7382,40 +8538,16 @@
           </a:p>
         </p:txBody>
       </p:sp>
-      <p:pic>
-        <p:nvPicPr>
-          <p:cNvPr id="4" name="Image 0" descr="preencoded.png"/>
-          <p:cNvPicPr>
-            <a:picLocks noChangeAspect="1"/>
-          </p:cNvPicPr>
-          <p:nvPr/>
-        </p:nvPicPr>
-        <p:blipFill>
-          <a:blip r:embed="rId3"/>
-          <a:stretch>
-            <a:fillRect/>
-          </a:stretch>
-        </p:blipFill>
-        <p:spPr>
-          <a:xfrm>
-            <a:off x="3894892" y="3965138"/>
-            <a:ext cx="318968" cy="398621"/>
-          </a:xfrm>
-          <a:prstGeom prst="rect">
-            <a:avLst/>
-          </a:prstGeom>
-        </p:spPr>
-      </p:pic>
-      <p:sp>
-        <p:nvSpPr>
-          <p:cNvPr id="5" name="Text 2"/>
-          <p:cNvSpPr/>
-          <p:nvPr/>
-        </p:nvSpPr>
-        <p:spPr>
-          <a:xfrm>
-            <a:off x="5911572" y="3987284"/>
-            <a:ext cx="3967282" cy="354330"/>
+      <p:sp>
+        <p:nvSpPr>
+          <p:cNvPr id="6" name="Text 4"/>
+          <p:cNvSpPr/>
+          <p:nvPr/>
+        </p:nvSpPr>
+        <p:spPr>
+          <a:xfrm>
+            <a:off x="993338" y="2374463"/>
+            <a:ext cx="221099" cy="276344"/>
           </a:xfrm>
           <a:prstGeom prst="rect">
             <a:avLst/>
@@ -7429,12 +8561,12 @@
           <a:p>
             <a:pPr marL="0" indent="0" algn="l">
               <a:lnSpc>
-                <a:spcPts val="2750"/>
-              </a:lnSpc>
-              <a:buNone/>
-            </a:pPr>
-            <a:r>
-              <a:rPr lang="en-US" sz="2200" b="1" dirty="0">
+                <a:spcPts val="1700"/>
+              </a:lnSpc>
+              <a:buNone/>
+            </a:pPr>
+            <a:r>
+              <a:rPr lang="en-US" sz="1700" b="1" dirty="0">
                 <a:solidFill>
                   <a:srgbClr val="DAD1E6"/>
                 </a:solidFill>
@@ -7442,32 +8574,121 @@
                 <a:ea typeface="Inconsolata Bold" pitchFamily="34" charset="-122"/>
                 <a:cs typeface="Inconsolata Bold" pitchFamily="34" charset="-120"/>
               </a:rPr>
-              <a:t>Account AWS Academy Bloccati</a:t>
-            </a:r>
-            <a:endParaRPr lang="en-US" sz="2200" dirty="0"/>
-          </a:p>
-        </p:txBody>
-      </p:sp>
-      <p:sp>
-        <p:nvSpPr>
-          <p:cNvPr id="6" name="Shape 3"/>
-          <p:cNvSpPr/>
-          <p:nvPr/>
-        </p:nvSpPr>
-        <p:spPr>
-          <a:xfrm>
-            <a:off x="5798106" y="4553188"/>
-            <a:ext cx="7925157" cy="15240"/>
+              <a:t>1</a:t>
+            </a:r>
+            <a:endParaRPr lang="en-US" sz="1700" dirty="0"/>
+          </a:p>
+        </p:txBody>
+      </p:sp>
+      <p:sp>
+        <p:nvSpPr>
+          <p:cNvPr id="7" name="Text 5"/>
+          <p:cNvSpPr/>
+          <p:nvPr/>
+        </p:nvSpPr>
+        <p:spPr>
+          <a:xfrm>
+            <a:off x="1546146" y="2233017"/>
+            <a:ext cx="2302431" cy="230386"/>
+          </a:xfrm>
+          <a:prstGeom prst="rect">
+            <a:avLst/>
+          </a:prstGeom>
+          <a:noFill/>
+          <a:ln/>
+        </p:spPr>
+        <p:txBody>
+          <a:bodyPr wrap="none" lIns="0" tIns="0" rIns="0" bIns="0" rtlCol="0" anchor="t"/>
+          <a:lstStyle/>
+          <a:p>
+            <a:pPr marL="0" indent="0" algn="l">
+              <a:lnSpc>
+                <a:spcPts val="1800"/>
+              </a:lnSpc>
+              <a:buNone/>
+            </a:pPr>
+            <a:r>
+              <a:rPr lang="en-US" sz="1450" b="1" dirty="0">
+                <a:solidFill>
+                  <a:srgbClr val="DAD1E6"/>
+                </a:solidFill>
+                <a:latin typeface="Inconsolata Bold" pitchFamily="34" charset="0"/>
+                <a:ea typeface="Inconsolata Bold" pitchFamily="34" charset="-122"/>
+                <a:cs typeface="Inconsolata Bold" pitchFamily="34" charset="-120"/>
+              </a:rPr>
+              <a:t>Unione Dataset Eterogenei</a:t>
+            </a:r>
+            <a:endParaRPr lang="en-US" sz="1450" dirty="0"/>
+          </a:p>
+        </p:txBody>
+      </p:sp>
+      <p:sp>
+        <p:nvSpPr>
+          <p:cNvPr id="8" name="Text 6"/>
+          <p:cNvSpPr/>
+          <p:nvPr/>
+        </p:nvSpPr>
+        <p:spPr>
+          <a:xfrm>
+            <a:off x="1546146" y="2551748"/>
+            <a:ext cx="12275225" cy="235744"/>
+          </a:xfrm>
+          <a:prstGeom prst="rect">
+            <a:avLst/>
+          </a:prstGeom>
+          <a:noFill/>
+          <a:ln/>
+        </p:spPr>
+        <p:txBody>
+          <a:bodyPr wrap="none" lIns="0" tIns="0" rIns="0" bIns="0" rtlCol="0" anchor="t"/>
+          <a:lstStyle/>
+          <a:p>
+            <a:pPr marL="0" indent="0" algn="l">
+              <a:lnSpc>
+                <a:spcPts val="1850"/>
+              </a:lnSpc>
+              <a:buNone/>
+            </a:pPr>
+            <a:r>
+              <a:rPr lang="en-US" sz="1150" dirty="0">
+                <a:solidFill>
+                  <a:srgbClr val="DAD1E6"/>
+                </a:solidFill>
+                <a:latin typeface="Fira Sans" pitchFamily="34" charset="0"/>
+                <a:ea typeface="Fira Sans" pitchFamily="34" charset="-122"/>
+                <a:cs typeface="Fira Sans" pitchFamily="34" charset="-120"/>
+              </a:rPr>
+              <a:t>Abbiamo combinato dati da diverse sorgenti csv (talk, tag, immagini, utenti, watch next, thumbnail) per creare una visione unica e completa di ogni video e delle interazioni utente.</a:t>
+            </a:r>
+            <a:endParaRPr lang="en-US" sz="1150" dirty="0"/>
+          </a:p>
+        </p:txBody>
+      </p:sp>
+      <p:sp>
+        <p:nvSpPr>
+          <p:cNvPr id="9" name="Shape 7"/>
+          <p:cNvSpPr/>
+          <p:nvPr/>
+        </p:nvSpPr>
+        <p:spPr>
+          <a:xfrm>
+            <a:off x="793790" y="3102293"/>
+            <a:ext cx="13042821" cy="884515"/>
           </a:xfrm>
           <a:prstGeom prst="roundRect">
             <a:avLst>
-              <a:gd name="adj" fmla="val 223256"/>
+              <a:gd name="adj" fmla="val 2500"/>
             </a:avLst>
           </a:prstGeom>
           <a:solidFill>
-            <a:srgbClr val="5C4E69"/>
+            <a:srgbClr val="241631"/>
           </a:solidFill>
-          <a:ln/>
+          <a:ln w="15240">
+            <a:solidFill>
+              <a:srgbClr val="5C4E69"/>
+            </a:solidFill>
+            <a:prstDash val="solid"/>
+          </a:ln>
         </p:spPr>
         <p:txBody>
           <a:bodyPr/>
@@ -7479,18 +8700,18 @@
       </p:sp>
       <p:sp>
         <p:nvSpPr>
-          <p:cNvPr id="7" name="Shape 4"/>
-          <p:cNvSpPr/>
-          <p:nvPr/>
-        </p:nvSpPr>
-        <p:spPr>
-          <a:xfrm>
-            <a:off x="793790" y="4681776"/>
-            <a:ext cx="6521410" cy="807958"/>
+          <p:cNvPr id="10" name="Shape 8"/>
+          <p:cNvSpPr/>
+          <p:nvPr/>
+        </p:nvSpPr>
+        <p:spPr>
+          <a:xfrm>
+            <a:off x="809030" y="3117533"/>
+            <a:ext cx="589717" cy="854035"/>
           </a:xfrm>
           <a:prstGeom prst="roundRect">
             <a:avLst>
-              <a:gd name="adj" fmla="val 4211"/>
+              <a:gd name="adj" fmla="val 649"/>
             </a:avLst>
           </a:prstGeom>
           <a:solidFill>
@@ -7506,40 +8727,16 @@
           </a:p>
         </p:txBody>
       </p:sp>
-      <p:pic>
-        <p:nvPicPr>
-          <p:cNvPr id="8" name="Image 1" descr="preencoded.png"/>
-          <p:cNvPicPr>
-            <a:picLocks noChangeAspect="1"/>
-          </p:cNvPicPr>
-          <p:nvPr/>
-        </p:nvPicPr>
-        <p:blipFill>
-          <a:blip r:embed="rId4"/>
-          <a:stretch>
-            <a:fillRect/>
-          </a:stretch>
-        </p:blipFill>
-        <p:spPr>
-          <a:xfrm>
-            <a:off x="3895011" y="4886444"/>
-            <a:ext cx="318968" cy="398621"/>
-          </a:xfrm>
-          <a:prstGeom prst="rect">
-            <a:avLst/>
-          </a:prstGeom>
-        </p:spPr>
-      </p:pic>
-      <p:sp>
-        <p:nvSpPr>
-          <p:cNvPr id="9" name="Text 5"/>
-          <p:cNvSpPr/>
-          <p:nvPr/>
-        </p:nvSpPr>
-        <p:spPr>
-          <a:xfrm>
-            <a:off x="7542014" y="4908590"/>
-            <a:ext cx="4675703" cy="354330"/>
+      <p:sp>
+        <p:nvSpPr>
+          <p:cNvPr id="11" name="Text 9"/>
+          <p:cNvSpPr/>
+          <p:nvPr/>
+        </p:nvSpPr>
+        <p:spPr>
+          <a:xfrm>
+            <a:off x="993338" y="3406378"/>
+            <a:ext cx="221099" cy="276344"/>
           </a:xfrm>
           <a:prstGeom prst="rect">
             <a:avLst/>
@@ -7553,12 +8750,12 @@
           <a:p>
             <a:pPr marL="0" indent="0" algn="l">
               <a:lnSpc>
-                <a:spcPts val="2750"/>
-              </a:lnSpc>
-              <a:buNone/>
-            </a:pPr>
-            <a:r>
-              <a:rPr lang="en-US" sz="2200" b="1" dirty="0">
+                <a:spcPts val="1700"/>
+              </a:lnSpc>
+              <a:buNone/>
+            </a:pPr>
+            <a:r>
+              <a:rPr lang="en-US" sz="1700" b="1" dirty="0">
                 <a:solidFill>
                   <a:srgbClr val="DAD1E6"/>
                 </a:solidFill>
@@ -7566,18 +8763,719 @@
                 <a:ea typeface="Inconsolata Bold" pitchFamily="34" charset="-122"/>
                 <a:cs typeface="Inconsolata Bold" pitchFamily="34" charset="-120"/>
               </a:rPr>
-              <a:t>Interpretazione Errori CloudWatch</a:t>
-            </a:r>
-            <a:endParaRPr lang="en-US" sz="2200" dirty="0"/>
-          </a:p>
-        </p:txBody>
-      </p:sp>
-      <p:sp>
-        <p:nvSpPr>
-          <p:cNvPr id="10" name="Rettangolo 9">
+              <a:t>2</a:t>
+            </a:r>
+            <a:endParaRPr lang="en-US" sz="1700" dirty="0"/>
+          </a:p>
+        </p:txBody>
+      </p:sp>
+      <p:sp>
+        <p:nvSpPr>
+          <p:cNvPr id="12" name="Text 10"/>
+          <p:cNvSpPr/>
+          <p:nvPr/>
+        </p:nvSpPr>
+        <p:spPr>
+          <a:xfrm>
+            <a:off x="1546146" y="3264932"/>
+            <a:ext cx="2302431" cy="230386"/>
+          </a:xfrm>
+          <a:prstGeom prst="rect">
+            <a:avLst/>
+          </a:prstGeom>
+          <a:noFill/>
+          <a:ln/>
+        </p:spPr>
+        <p:txBody>
+          <a:bodyPr wrap="none" lIns="0" tIns="0" rIns="0" bIns="0" rtlCol="0" anchor="t"/>
+          <a:lstStyle/>
+          <a:p>
+            <a:pPr marL="0" indent="0" algn="l">
+              <a:lnSpc>
+                <a:spcPts val="1800"/>
+              </a:lnSpc>
+              <a:buNone/>
+            </a:pPr>
+            <a:r>
+              <a:rPr lang="en-US" sz="1450" b="1" dirty="0">
+                <a:solidFill>
+                  <a:srgbClr val="DAD1E6"/>
+                </a:solidFill>
+                <a:latin typeface="Inconsolata Bold" pitchFamily="34" charset="0"/>
+                <a:ea typeface="Inconsolata Bold" pitchFamily="34" charset="-122"/>
+                <a:cs typeface="Inconsolata Bold" pitchFamily="34" charset="-120"/>
+              </a:rPr>
+              <a:t>Pulizia e Normalizzazione</a:t>
+            </a:r>
+            <a:endParaRPr lang="en-US" sz="1450" dirty="0"/>
+          </a:p>
+        </p:txBody>
+      </p:sp>
+      <p:sp>
+        <p:nvSpPr>
+          <p:cNvPr id="13" name="Text 11"/>
+          <p:cNvSpPr/>
+          <p:nvPr/>
+        </p:nvSpPr>
+        <p:spPr>
+          <a:xfrm>
+            <a:off x="1546146" y="3583662"/>
+            <a:ext cx="12275225" cy="235744"/>
+          </a:xfrm>
+          <a:prstGeom prst="rect">
+            <a:avLst/>
+          </a:prstGeom>
+          <a:noFill/>
+          <a:ln/>
+        </p:spPr>
+        <p:txBody>
+          <a:bodyPr wrap="none" lIns="0" tIns="0" rIns="0" bIns="0" rtlCol="0" anchor="t"/>
+          <a:lstStyle/>
+          <a:p>
+            <a:pPr marL="0" indent="0" algn="l">
+              <a:lnSpc>
+                <a:spcPts val="1850"/>
+              </a:lnSpc>
+              <a:buNone/>
+            </a:pPr>
+            <a:r>
+              <a:rPr lang="en-US" sz="1150" dirty="0">
+                <a:solidFill>
+                  <a:srgbClr val="DAD1E6"/>
+                </a:solidFill>
+                <a:latin typeface="Fira Sans" pitchFamily="34" charset="0"/>
+                <a:ea typeface="Fira Sans" pitchFamily="34" charset="-122"/>
+                <a:cs typeface="Fira Sans" pitchFamily="34" charset="-120"/>
+              </a:rPr>
+              <a:t>Eliminati duplicati e inconsistenze, e uniformati ID, slug e formati delle date per garantire affidabilità e coerenza dei dati nelle query.</a:t>
+            </a:r>
+            <a:endParaRPr lang="en-US" sz="1150" dirty="0"/>
+          </a:p>
+        </p:txBody>
+      </p:sp>
+      <p:sp>
+        <p:nvSpPr>
+          <p:cNvPr id="14" name="Shape 12"/>
+          <p:cNvSpPr/>
+          <p:nvPr/>
+        </p:nvSpPr>
+        <p:spPr>
+          <a:xfrm>
+            <a:off x="793790" y="4134207"/>
+            <a:ext cx="13042821" cy="884515"/>
+          </a:xfrm>
+          <a:prstGeom prst="roundRect">
+            <a:avLst>
+              <a:gd name="adj" fmla="val 2500"/>
+            </a:avLst>
+          </a:prstGeom>
+          <a:solidFill>
+            <a:srgbClr val="241631"/>
+          </a:solidFill>
+          <a:ln w="15240">
+            <a:solidFill>
+              <a:srgbClr val="5C4E69"/>
+            </a:solidFill>
+            <a:prstDash val="solid"/>
+          </a:ln>
+        </p:spPr>
+        <p:txBody>
+          <a:bodyPr/>
+          <a:lstStyle/>
+          <a:p>
+            <a:endParaRPr lang="it-IT"/>
+          </a:p>
+        </p:txBody>
+      </p:sp>
+      <p:sp>
+        <p:nvSpPr>
+          <p:cNvPr id="15" name="Shape 13"/>
+          <p:cNvSpPr/>
+          <p:nvPr/>
+        </p:nvSpPr>
+        <p:spPr>
+          <a:xfrm>
+            <a:off x="809030" y="4149447"/>
+            <a:ext cx="589717" cy="854035"/>
+          </a:xfrm>
+          <a:prstGeom prst="roundRect">
+            <a:avLst>
+              <a:gd name="adj" fmla="val 649"/>
+            </a:avLst>
+          </a:prstGeom>
+          <a:solidFill>
+            <a:srgbClr val="433550"/>
+          </a:solidFill>
+          <a:ln/>
+        </p:spPr>
+        <p:txBody>
+          <a:bodyPr/>
+          <a:lstStyle/>
+          <a:p>
+            <a:endParaRPr lang="it-IT"/>
+          </a:p>
+        </p:txBody>
+      </p:sp>
+      <p:sp>
+        <p:nvSpPr>
+          <p:cNvPr id="16" name="Text 14"/>
+          <p:cNvSpPr/>
+          <p:nvPr/>
+        </p:nvSpPr>
+        <p:spPr>
+          <a:xfrm>
+            <a:off x="993338" y="4438293"/>
+            <a:ext cx="221099" cy="276344"/>
+          </a:xfrm>
+          <a:prstGeom prst="rect">
+            <a:avLst/>
+          </a:prstGeom>
+          <a:noFill/>
+          <a:ln/>
+        </p:spPr>
+        <p:txBody>
+          <a:bodyPr wrap="none" lIns="0" tIns="0" rIns="0" bIns="0" rtlCol="0" anchor="t"/>
+          <a:lstStyle/>
+          <a:p>
+            <a:pPr marL="0" indent="0" algn="l">
+              <a:lnSpc>
+                <a:spcPts val="1700"/>
+              </a:lnSpc>
+              <a:buNone/>
+            </a:pPr>
+            <a:r>
+              <a:rPr lang="en-US" sz="1700" b="1" dirty="0">
+                <a:solidFill>
+                  <a:srgbClr val="DAD1E6"/>
+                </a:solidFill>
+                <a:latin typeface="Inconsolata Bold" pitchFamily="34" charset="0"/>
+                <a:ea typeface="Inconsolata Bold" pitchFamily="34" charset="-122"/>
+                <a:cs typeface="Inconsolata Bold" pitchFamily="34" charset="-120"/>
+              </a:rPr>
+              <a:t>3</a:t>
+            </a:r>
+            <a:endParaRPr lang="en-US" sz="1700" dirty="0"/>
+          </a:p>
+        </p:txBody>
+      </p:sp>
+      <p:sp>
+        <p:nvSpPr>
+          <p:cNvPr id="17" name="Text 15"/>
+          <p:cNvSpPr/>
+          <p:nvPr/>
+        </p:nvSpPr>
+        <p:spPr>
+          <a:xfrm>
+            <a:off x="1546146" y="4296847"/>
+            <a:ext cx="1934051" cy="230386"/>
+          </a:xfrm>
+          <a:prstGeom prst="rect">
+            <a:avLst/>
+          </a:prstGeom>
+          <a:noFill/>
+          <a:ln/>
+        </p:spPr>
+        <p:txBody>
+          <a:bodyPr wrap="none" lIns="0" tIns="0" rIns="0" bIns="0" rtlCol="0" anchor="t"/>
+          <a:lstStyle/>
+          <a:p>
+            <a:pPr marL="0" indent="0" algn="l">
+              <a:lnSpc>
+                <a:spcPts val="1800"/>
+              </a:lnSpc>
+              <a:buNone/>
+            </a:pPr>
+            <a:r>
+              <a:rPr lang="en-US" sz="1450" b="1" dirty="0">
+                <a:solidFill>
+                  <a:srgbClr val="DAD1E6"/>
+                </a:solidFill>
+                <a:latin typeface="Inconsolata Bold" pitchFamily="34" charset="0"/>
+                <a:ea typeface="Inconsolata Bold" pitchFamily="34" charset="-122"/>
+                <a:cs typeface="Inconsolata Bold" pitchFamily="34" charset="-120"/>
+              </a:rPr>
+              <a:t>Aggregazione Metadati</a:t>
+            </a:r>
+            <a:endParaRPr lang="en-US" sz="1450" dirty="0"/>
+          </a:p>
+        </p:txBody>
+      </p:sp>
+      <p:sp>
+        <p:nvSpPr>
+          <p:cNvPr id="18" name="Text 16"/>
+          <p:cNvSpPr/>
+          <p:nvPr/>
+        </p:nvSpPr>
+        <p:spPr>
+          <a:xfrm>
+            <a:off x="1546146" y="4615577"/>
+            <a:ext cx="12275225" cy="235744"/>
+          </a:xfrm>
+          <a:prstGeom prst="rect">
+            <a:avLst/>
+          </a:prstGeom>
+          <a:noFill/>
+          <a:ln/>
+        </p:spPr>
+        <p:txBody>
+          <a:bodyPr wrap="none" lIns="0" tIns="0" rIns="0" bIns="0" rtlCol="0" anchor="t"/>
+          <a:lstStyle/>
+          <a:p>
+            <a:pPr marL="0" indent="0" algn="l">
+              <a:lnSpc>
+                <a:spcPts val="1850"/>
+              </a:lnSpc>
+              <a:buNone/>
+            </a:pPr>
+            <a:r>
+              <a:rPr lang="en-US" sz="1150" dirty="0">
+                <a:solidFill>
+                  <a:srgbClr val="DAD1E6"/>
+                </a:solidFill>
+                <a:latin typeface="Fira Sans" pitchFamily="34" charset="0"/>
+                <a:ea typeface="Fira Sans" pitchFamily="34" charset="-122"/>
+                <a:cs typeface="Fira Sans" pitchFamily="34" charset="-120"/>
+              </a:rPr>
+              <a:t>Ogni talk è stato arricchito con metadati completi (descrizione, speaker, immagini, tag, correlati), riducendo la frammentazione e migliorando l’efficienza delle ricerche.</a:t>
+            </a:r>
+            <a:endParaRPr lang="en-US" sz="1150" dirty="0"/>
+          </a:p>
+        </p:txBody>
+      </p:sp>
+      <p:sp>
+        <p:nvSpPr>
+          <p:cNvPr id="19" name="Shape 17"/>
+          <p:cNvSpPr/>
+          <p:nvPr/>
+        </p:nvSpPr>
+        <p:spPr>
+          <a:xfrm>
+            <a:off x="793790" y="5166122"/>
+            <a:ext cx="13042821" cy="1115497"/>
+          </a:xfrm>
+          <a:prstGeom prst="roundRect">
+            <a:avLst>
+              <a:gd name="adj" fmla="val 1983"/>
+            </a:avLst>
+          </a:prstGeom>
+          <a:solidFill>
+            <a:srgbClr val="241631"/>
+          </a:solidFill>
+          <a:ln w="15240">
+            <a:solidFill>
+              <a:srgbClr val="5C4E69"/>
+            </a:solidFill>
+            <a:prstDash val="solid"/>
+          </a:ln>
+        </p:spPr>
+        <p:txBody>
+          <a:bodyPr/>
+          <a:lstStyle/>
+          <a:p>
+            <a:endParaRPr lang="it-IT"/>
+          </a:p>
+        </p:txBody>
+      </p:sp>
+      <p:sp>
+        <p:nvSpPr>
+          <p:cNvPr id="20" name="Shape 18"/>
+          <p:cNvSpPr/>
+          <p:nvPr/>
+        </p:nvSpPr>
+        <p:spPr>
+          <a:xfrm>
+            <a:off x="809030" y="5181362"/>
+            <a:ext cx="589717" cy="1085017"/>
+          </a:xfrm>
+          <a:prstGeom prst="roundRect">
+            <a:avLst>
+              <a:gd name="adj" fmla="val 649"/>
+            </a:avLst>
+          </a:prstGeom>
+          <a:solidFill>
+            <a:srgbClr val="433550"/>
+          </a:solidFill>
+          <a:ln/>
+        </p:spPr>
+        <p:txBody>
+          <a:bodyPr/>
+          <a:lstStyle/>
+          <a:p>
+            <a:endParaRPr lang="it-IT"/>
+          </a:p>
+        </p:txBody>
+      </p:sp>
+      <p:sp>
+        <p:nvSpPr>
+          <p:cNvPr id="21" name="Text 19"/>
+          <p:cNvSpPr/>
+          <p:nvPr/>
+        </p:nvSpPr>
+        <p:spPr>
+          <a:xfrm>
+            <a:off x="993338" y="5585698"/>
+            <a:ext cx="221099" cy="276344"/>
+          </a:xfrm>
+          <a:prstGeom prst="rect">
+            <a:avLst/>
+          </a:prstGeom>
+          <a:noFill/>
+          <a:ln/>
+        </p:spPr>
+        <p:txBody>
+          <a:bodyPr wrap="none" lIns="0" tIns="0" rIns="0" bIns="0" rtlCol="0" anchor="t"/>
+          <a:lstStyle/>
+          <a:p>
+            <a:pPr marL="0" indent="0" algn="l">
+              <a:lnSpc>
+                <a:spcPts val="1700"/>
+              </a:lnSpc>
+              <a:buNone/>
+            </a:pPr>
+            <a:r>
+              <a:rPr lang="en-US" sz="1700" b="1" dirty="0">
+                <a:solidFill>
+                  <a:srgbClr val="DAD1E6"/>
+                </a:solidFill>
+                <a:latin typeface="Inconsolata Bold" pitchFamily="34" charset="0"/>
+                <a:ea typeface="Inconsolata Bold" pitchFamily="34" charset="-122"/>
+                <a:cs typeface="Inconsolata Bold" pitchFamily="34" charset="-120"/>
+              </a:rPr>
+              <a:t>4</a:t>
+            </a:r>
+            <a:endParaRPr lang="en-US" sz="1700" dirty="0"/>
+          </a:p>
+        </p:txBody>
+      </p:sp>
+      <p:sp>
+        <p:nvSpPr>
+          <p:cNvPr id="22" name="Text 20"/>
+          <p:cNvSpPr/>
+          <p:nvPr/>
+        </p:nvSpPr>
+        <p:spPr>
+          <a:xfrm>
+            <a:off x="1546146" y="5328761"/>
+            <a:ext cx="2578656" cy="230386"/>
+          </a:xfrm>
+          <a:prstGeom prst="rect">
+            <a:avLst/>
+          </a:prstGeom>
+          <a:noFill/>
+          <a:ln/>
+        </p:spPr>
+        <p:txBody>
+          <a:bodyPr wrap="none" lIns="0" tIns="0" rIns="0" bIns="0" rtlCol="0" anchor="t"/>
+          <a:lstStyle/>
+          <a:p>
+            <a:pPr marL="0" indent="0" algn="l">
+              <a:lnSpc>
+                <a:spcPts val="1800"/>
+              </a:lnSpc>
+              <a:buNone/>
+            </a:pPr>
+            <a:r>
+              <a:rPr lang="en-US" sz="1450" b="1" dirty="0">
+                <a:solidFill>
+                  <a:srgbClr val="DAD1E6"/>
+                </a:solidFill>
+                <a:latin typeface="Inconsolata Bold" pitchFamily="34" charset="0"/>
+                <a:ea typeface="Inconsolata Bold" pitchFamily="34" charset="-122"/>
+                <a:cs typeface="Inconsolata Bold" pitchFamily="34" charset="-120"/>
+              </a:rPr>
+              <a:t>Arricchimento Profili Utente</a:t>
+            </a:r>
+            <a:endParaRPr lang="en-US" sz="1450" dirty="0"/>
+          </a:p>
+        </p:txBody>
+      </p:sp>
+      <p:sp>
+        <p:nvSpPr>
+          <p:cNvPr id="23" name="Text 21"/>
+          <p:cNvSpPr/>
+          <p:nvPr/>
+        </p:nvSpPr>
+        <p:spPr>
+          <a:xfrm>
+            <a:off x="1546146" y="5647492"/>
+            <a:ext cx="12275225" cy="471488"/>
+          </a:xfrm>
+          <a:prstGeom prst="rect">
+            <a:avLst/>
+          </a:prstGeom>
+          <a:noFill/>
+          <a:ln/>
+        </p:spPr>
+        <p:txBody>
+          <a:bodyPr wrap="square" lIns="0" tIns="0" rIns="0" bIns="0" rtlCol="0" anchor="t"/>
+          <a:lstStyle/>
+          <a:p>
+            <a:pPr marL="0" indent="0" algn="l">
+              <a:lnSpc>
+                <a:spcPts val="1850"/>
+              </a:lnSpc>
+              <a:buNone/>
+            </a:pPr>
+            <a:r>
+              <a:rPr lang="en-US" sz="1150" dirty="0">
+                <a:solidFill>
+                  <a:srgbClr val="DAD1E6"/>
+                </a:solidFill>
+                <a:latin typeface="Fira Sans" pitchFamily="34" charset="0"/>
+                <a:ea typeface="Fira Sans" pitchFamily="34" charset="-122"/>
+                <a:cs typeface="Fira Sans" pitchFamily="34" charset="-120"/>
+              </a:rPr>
+              <a:t>Ai profili utente sono stati associati i talk a cui ha messo mi piace, generando uno storico degli interessi utile per arricchire il profilo utente, in modo tale da dare informazioni aggiuntive sugli interessi dell'utente</a:t>
+            </a:r>
+            <a:endParaRPr lang="en-US" sz="1150" dirty="0"/>
+          </a:p>
+        </p:txBody>
+      </p:sp>
+      <p:sp>
+        <p:nvSpPr>
+          <p:cNvPr id="24" name="Shape 22"/>
+          <p:cNvSpPr/>
+          <p:nvPr/>
+        </p:nvSpPr>
+        <p:spPr>
+          <a:xfrm>
+            <a:off x="793790" y="6429018"/>
+            <a:ext cx="13042821" cy="887373"/>
+          </a:xfrm>
+          <a:prstGeom prst="roundRect">
+            <a:avLst>
+              <a:gd name="adj" fmla="val 2492"/>
+            </a:avLst>
+          </a:prstGeom>
+          <a:solidFill>
+            <a:srgbClr val="241631"/>
+          </a:solidFill>
+          <a:ln w="15240">
+            <a:solidFill>
+              <a:srgbClr val="5C4E69"/>
+            </a:solidFill>
+            <a:prstDash val="solid"/>
+          </a:ln>
+        </p:spPr>
+        <p:txBody>
+          <a:bodyPr/>
+          <a:lstStyle/>
+          <a:p>
+            <a:endParaRPr lang="it-IT"/>
+          </a:p>
+        </p:txBody>
+      </p:sp>
+      <p:sp>
+        <p:nvSpPr>
+          <p:cNvPr id="25" name="Shape 23"/>
+          <p:cNvSpPr/>
+          <p:nvPr/>
+        </p:nvSpPr>
+        <p:spPr>
+          <a:xfrm>
+            <a:off x="809030" y="6444258"/>
+            <a:ext cx="589717" cy="856893"/>
+          </a:xfrm>
+          <a:prstGeom prst="roundRect">
+            <a:avLst>
+              <a:gd name="adj" fmla="val 649"/>
+            </a:avLst>
+          </a:prstGeom>
+          <a:solidFill>
+            <a:srgbClr val="433550"/>
+          </a:solidFill>
+          <a:ln/>
+        </p:spPr>
+        <p:txBody>
+          <a:bodyPr/>
+          <a:lstStyle/>
+          <a:p>
+            <a:endParaRPr lang="it-IT"/>
+          </a:p>
+        </p:txBody>
+      </p:sp>
+      <p:sp>
+        <p:nvSpPr>
+          <p:cNvPr id="26" name="Text 24"/>
+          <p:cNvSpPr/>
+          <p:nvPr/>
+        </p:nvSpPr>
+        <p:spPr>
+          <a:xfrm>
+            <a:off x="993338" y="6734532"/>
+            <a:ext cx="221099" cy="276344"/>
+          </a:xfrm>
+          <a:prstGeom prst="rect">
+            <a:avLst/>
+          </a:prstGeom>
+          <a:noFill/>
+          <a:ln/>
+        </p:spPr>
+        <p:txBody>
+          <a:bodyPr wrap="none" lIns="0" tIns="0" rIns="0" bIns="0" rtlCol="0" anchor="t"/>
+          <a:lstStyle/>
+          <a:p>
+            <a:pPr marL="0" indent="0" algn="l">
+              <a:lnSpc>
+                <a:spcPts val="1700"/>
+              </a:lnSpc>
+              <a:buNone/>
+            </a:pPr>
+            <a:r>
+              <a:rPr lang="en-US" sz="1700" b="1" dirty="0">
+                <a:solidFill>
+                  <a:srgbClr val="DAD1E6"/>
+                </a:solidFill>
+                <a:latin typeface="Inconsolata Bold" pitchFamily="34" charset="0"/>
+                <a:ea typeface="Inconsolata Bold" pitchFamily="34" charset="-122"/>
+                <a:cs typeface="Inconsolata Bold" pitchFamily="34" charset="-120"/>
+              </a:rPr>
+              <a:t>5</a:t>
+            </a:r>
+            <a:endParaRPr lang="en-US" sz="1700" dirty="0"/>
+          </a:p>
+        </p:txBody>
+      </p:sp>
+      <p:sp>
+        <p:nvSpPr>
+          <p:cNvPr id="27" name="Text 25"/>
+          <p:cNvSpPr/>
+          <p:nvPr/>
+        </p:nvSpPr>
+        <p:spPr>
+          <a:xfrm>
+            <a:off x="1546146" y="6591657"/>
+            <a:ext cx="1842968" cy="230386"/>
+          </a:xfrm>
+          <a:prstGeom prst="rect">
+            <a:avLst/>
+          </a:prstGeom>
+          <a:noFill/>
+          <a:ln/>
+        </p:spPr>
+        <p:txBody>
+          <a:bodyPr wrap="none" lIns="0" tIns="0" rIns="0" bIns="0" rtlCol="0" anchor="t"/>
+          <a:lstStyle/>
+          <a:p>
+            <a:pPr marL="0" indent="0" algn="l">
+              <a:lnSpc>
+                <a:spcPts val="1800"/>
+              </a:lnSpc>
+              <a:buNone/>
+            </a:pPr>
+            <a:r>
+              <a:rPr lang="en-US" sz="1450" b="1" dirty="0">
+                <a:solidFill>
+                  <a:srgbClr val="DAD1E6"/>
+                </a:solidFill>
+                <a:latin typeface="Inconsolata Bold" pitchFamily="34" charset="0"/>
+                <a:ea typeface="Inconsolata Bold" pitchFamily="34" charset="-122"/>
+                <a:cs typeface="Inconsolata Bold" pitchFamily="34" charset="-120"/>
+              </a:rPr>
+              <a:t>Output Semplificato</a:t>
+            </a:r>
+            <a:endParaRPr lang="en-US" sz="1450" dirty="0"/>
+          </a:p>
+        </p:txBody>
+      </p:sp>
+      <p:sp>
+        <p:nvSpPr>
+          <p:cNvPr id="28" name="Text 26"/>
+          <p:cNvSpPr/>
+          <p:nvPr/>
+        </p:nvSpPr>
+        <p:spPr>
+          <a:xfrm>
+            <a:off x="1546146" y="6910388"/>
+            <a:ext cx="12275225" cy="243364"/>
+          </a:xfrm>
+          <a:prstGeom prst="rect">
+            <a:avLst/>
+          </a:prstGeom>
+          <a:noFill/>
+          <a:ln/>
+        </p:spPr>
+        <p:txBody>
+          <a:bodyPr wrap="none" lIns="0" tIns="0" rIns="0" bIns="0" rtlCol="0" anchor="t"/>
+          <a:lstStyle/>
+          <a:p>
+            <a:pPr marL="0" indent="0" algn="l">
+              <a:lnSpc>
+                <a:spcPts val="1850"/>
+              </a:lnSpc>
+              <a:buNone/>
+            </a:pPr>
+            <a:r>
+              <a:rPr lang="en-US" sz="1150" dirty="0">
+                <a:solidFill>
+                  <a:srgbClr val="DAD1E6"/>
+                </a:solidFill>
+                <a:latin typeface="Fira Sans" pitchFamily="34" charset="0"/>
+                <a:ea typeface="Fira Sans" pitchFamily="34" charset="-122"/>
+                <a:cs typeface="Fira Sans" pitchFamily="34" charset="-120"/>
+              </a:rPr>
+              <a:t>Il risultato finale sono due collezioni principali (</a:t>
+            </a:r>
+            <a:r>
+              <a:rPr lang="en-US" sz="1150" dirty="0">
+                <a:solidFill>
+                  <a:srgbClr val="DAD1E6"/>
+                </a:solidFill>
+                <a:highlight>
+                  <a:srgbClr val="31233E"/>
+                </a:highlight>
+                <a:latin typeface="Consolas" pitchFamily="34" charset="0"/>
+                <a:ea typeface="Consolas" pitchFamily="34" charset="-122"/>
+                <a:cs typeface="Consolas" pitchFamily="34" charset="-120"/>
+              </a:rPr>
+              <a:t>tedx_data</a:t>
+            </a:r>
+            <a:r>
+              <a:rPr lang="en-US" sz="1150" dirty="0">
+                <a:solidFill>
+                  <a:srgbClr val="DAD1E6"/>
+                </a:solidFill>
+                <a:latin typeface="Fira Sans" pitchFamily="34" charset="0"/>
+                <a:ea typeface="Fira Sans" pitchFamily="34" charset="-122"/>
+                <a:cs typeface="Fira Sans" pitchFamily="34" charset="-120"/>
+              </a:rPr>
+              <a:t> e </a:t>
+            </a:r>
+            <a:r>
+              <a:rPr lang="en-US" sz="1150" dirty="0">
+                <a:solidFill>
+                  <a:srgbClr val="DAD1E6"/>
+                </a:solidFill>
+                <a:highlight>
+                  <a:srgbClr val="31233E"/>
+                </a:highlight>
+                <a:latin typeface="Consolas" pitchFamily="34" charset="0"/>
+                <a:ea typeface="Consolas" pitchFamily="34" charset="-122"/>
+                <a:cs typeface="Consolas" pitchFamily="34" charset="-120"/>
+              </a:rPr>
+              <a:t>users</a:t>
+            </a:r>
+            <a:r>
+              <a:rPr lang="en-US" sz="1150" dirty="0">
+                <a:solidFill>
+                  <a:srgbClr val="DAD1E6"/>
+                </a:solidFill>
+                <a:latin typeface="Fira Sans" pitchFamily="34" charset="0"/>
+                <a:ea typeface="Fira Sans" pitchFamily="34" charset="-122"/>
+                <a:cs typeface="Fira Sans" pitchFamily="34" charset="-120"/>
+              </a:rPr>
+              <a:t>) ottimizzate per l'utilizzo delle API.</a:t>
+            </a:r>
+            <a:endParaRPr lang="en-US" sz="1150" dirty="0"/>
+          </a:p>
+        </p:txBody>
+      </p:sp>
+      <p:sp>
+        <p:nvSpPr>
+          <p:cNvPr id="29" name="Rettangolo 28">
             <a:extLst>
               <a:ext uri="{FF2B5EF4-FFF2-40B4-BE49-F238E27FC236}">
-                <a16:creationId xmlns:a16="http://schemas.microsoft.com/office/drawing/2014/main" id="{BB4C7455-58CC-33DB-DCB0-566AB35159DD}"/>
+                <a16:creationId xmlns:a16="http://schemas.microsoft.com/office/drawing/2014/main" id="{FB942784-A1BA-FA43-4E08-4A1DD84CF021}"/>
               </a:ext>
             </a:extLst>
           </p:cNvPr>
@@ -7634,7 +9532,7 @@
 
 <file path=ppt/slides/slide9.xml><?xml version="1.0" encoding="utf-8"?>
 <p:sld xmlns:a="http://schemas.openxmlformats.org/drawingml/2006/main" xmlns:r="http://schemas.openxmlformats.org/officeDocument/2006/relationships" xmlns:p="http://schemas.openxmlformats.org/presentationml/2006/main">
-  <p:cSld name="Slide 9">
+  <p:cSld>
     <p:spTree>
       <p:nvGrpSpPr>
         <p:cNvPr id="1" name=""/>
@@ -7657,8 +9555,8 @@
         </p:nvSpPr>
         <p:spPr>
           <a:xfrm>
-            <a:off x="793790" y="982623"/>
-            <a:ext cx="5817037" cy="538758"/>
+            <a:off x="793790" y="930473"/>
+            <a:ext cx="6802755" cy="566976"/>
           </a:xfrm>
           <a:prstGeom prst="rect">
             <a:avLst/>
@@ -7672,12 +9570,12 @@
           <a:p>
             <a:pPr marL="0" indent="0" algn="l">
               <a:lnSpc>
-                <a:spcPts val="4200"/>
-              </a:lnSpc>
-              <a:buNone/>
-            </a:pPr>
-            <a:r>
-              <a:rPr lang="en-US" sz="3350" b="1" dirty="0">
+                <a:spcPts val="4450"/>
+              </a:lnSpc>
+              <a:buNone/>
+            </a:pPr>
+            <a:r>
+              <a:rPr lang="en-US" sz="3550" b="1" dirty="0">
                 <a:solidFill>
                   <a:srgbClr val="F94CAF"/>
                 </a:solidFill>
@@ -7685,72 +9583,30 @@
                 <a:ea typeface="Inconsolata Bold" pitchFamily="34" charset="-122"/>
                 <a:cs typeface="Inconsolata Bold" pitchFamily="34" charset="-120"/>
               </a:rPr>
-              <a:t>Possibili Evoluzioni Future</a:t>
-            </a:r>
-            <a:endParaRPr lang="en-US" sz="3350" dirty="0"/>
-          </a:p>
-        </p:txBody>
-      </p:sp>
-      <p:sp>
-        <p:nvSpPr>
-          <p:cNvPr id="3" name="Text 1"/>
-          <p:cNvSpPr/>
-          <p:nvPr/>
-        </p:nvSpPr>
-        <p:spPr>
-          <a:xfrm>
-            <a:off x="793790" y="1763792"/>
-            <a:ext cx="13042821" cy="344805"/>
-          </a:xfrm>
-          <a:prstGeom prst="rect">
-            <a:avLst/>
-          </a:prstGeom>
-          <a:noFill/>
-          <a:ln/>
-        </p:spPr>
-        <p:txBody>
-          <a:bodyPr wrap="none" lIns="0" tIns="0" rIns="0" bIns="0" rtlCol="0" anchor="t"/>
-          <a:lstStyle/>
-          <a:p>
-            <a:pPr marL="0" indent="0" algn="l">
-              <a:lnSpc>
-                <a:spcPts val="2700"/>
-              </a:lnSpc>
-              <a:buNone/>
-            </a:pPr>
-            <a:r>
-              <a:rPr lang="en-US" sz="1650" dirty="0">
-                <a:solidFill>
-                  <a:srgbClr val="DAD1E6"/>
-                </a:solidFill>
-                <a:latin typeface="Fira Sans" pitchFamily="34" charset="0"/>
-                <a:ea typeface="Fira Sans" pitchFamily="34" charset="-122"/>
-                <a:cs typeface="Fira Sans" pitchFamily="34" charset="-120"/>
-              </a:rPr>
-              <a:t>Idee per espandere e migliorare TedxMatch.</a:t>
-            </a:r>
-            <a:endParaRPr lang="en-US" sz="1650" dirty="0"/>
-          </a:p>
-        </p:txBody>
-      </p:sp>
-      <p:sp>
-        <p:nvSpPr>
-          <p:cNvPr id="4" name="Shape 2"/>
-          <p:cNvSpPr/>
-          <p:nvPr/>
-        </p:nvSpPr>
-        <p:spPr>
-          <a:xfrm>
-            <a:off x="793790" y="2351008"/>
-            <a:ext cx="861893" cy="1292900"/>
+              <a:t>Vantaggi del Modello Aggregato</a:t>
+            </a:r>
+            <a:endParaRPr lang="en-US" sz="3550" dirty="0"/>
+          </a:p>
+        </p:txBody>
+      </p:sp>
+      <p:sp>
+        <p:nvSpPr>
+          <p:cNvPr id="3" name="Shape 1"/>
+          <p:cNvSpPr/>
+          <p:nvPr/>
+        </p:nvSpPr>
+        <p:spPr>
+          <a:xfrm>
+            <a:off x="793790" y="2132528"/>
+            <a:ext cx="4226600" cy="3082171"/>
           </a:xfrm>
           <a:prstGeom prst="roundRect">
             <a:avLst>
-              <a:gd name="adj" fmla="val 360022"/>
+              <a:gd name="adj" fmla="val 3560"/>
             </a:avLst>
           </a:prstGeom>
           <a:solidFill>
-            <a:srgbClr val="433550"/>
+            <a:srgbClr val="241631"/>
           </a:solidFill>
           <a:ln/>
         </p:spPr>
@@ -7764,7 +9620,7 @@
       </p:sp>
       <p:pic>
         <p:nvPicPr>
-          <p:cNvPr id="5" name="Image 0" descr="preencoded.png"/>
+          <p:cNvPr id="4" name="Image 0" descr="preencoded.png"/>
           <p:cNvPicPr>
             <a:picLocks noChangeAspect="1"/>
           </p:cNvPicPr>
@@ -7778,130 +9634,17 @@
         </p:blipFill>
         <p:spPr>
           <a:xfrm>
-            <a:off x="1063109" y="2795468"/>
-            <a:ext cx="323136" cy="403979"/>
+            <a:off x="793790" y="2109668"/>
+            <a:ext cx="4226600" cy="91440"/>
           </a:xfrm>
           <a:prstGeom prst="rect">
             <a:avLst/>
           </a:prstGeom>
         </p:spPr>
       </p:pic>
-      <p:sp>
-        <p:nvSpPr>
-          <p:cNvPr id="6" name="Text 3"/>
-          <p:cNvSpPr/>
-          <p:nvPr/>
-        </p:nvSpPr>
-        <p:spPr>
-          <a:xfrm>
-            <a:off x="1871067" y="2566392"/>
-            <a:ext cx="2693551" cy="336590"/>
-          </a:xfrm>
-          <a:prstGeom prst="rect">
-            <a:avLst/>
-          </a:prstGeom>
-          <a:noFill/>
-          <a:ln/>
-        </p:spPr>
-        <p:txBody>
-          <a:bodyPr wrap="none" lIns="0" tIns="0" rIns="0" bIns="0" rtlCol="0" anchor="t"/>
-          <a:lstStyle/>
-          <a:p>
-            <a:pPr marL="0" indent="0" algn="l">
-              <a:lnSpc>
-                <a:spcPts val="2650"/>
-              </a:lnSpc>
-              <a:buNone/>
-            </a:pPr>
-            <a:r>
-              <a:rPr lang="en-US" sz="2100" b="1" dirty="0">
-                <a:solidFill>
-                  <a:srgbClr val="DAD1E6"/>
-                </a:solidFill>
-                <a:latin typeface="Inconsolata Bold" pitchFamily="34" charset="0"/>
-                <a:ea typeface="Inconsolata Bold" pitchFamily="34" charset="-122"/>
-                <a:cs typeface="Inconsolata Bold" pitchFamily="34" charset="-120"/>
-              </a:rPr>
-              <a:t>Amazon Personalize</a:t>
-            </a:r>
-            <a:endParaRPr lang="en-US" sz="2100" dirty="0"/>
-          </a:p>
-        </p:txBody>
-      </p:sp>
-      <p:sp>
-        <p:nvSpPr>
-          <p:cNvPr id="7" name="Text 4"/>
-          <p:cNvSpPr/>
-          <p:nvPr/>
-        </p:nvSpPr>
-        <p:spPr>
-          <a:xfrm>
-            <a:off x="1871067" y="3032165"/>
-            <a:ext cx="11965543" cy="344805"/>
-          </a:xfrm>
-          <a:prstGeom prst="rect">
-            <a:avLst/>
-          </a:prstGeom>
-          <a:noFill/>
-          <a:ln/>
-        </p:spPr>
-        <p:txBody>
-          <a:bodyPr wrap="none" lIns="0" tIns="0" rIns="0" bIns="0" rtlCol="0" anchor="t"/>
-          <a:lstStyle/>
-          <a:p>
-            <a:pPr marL="0" indent="0" algn="l">
-              <a:lnSpc>
-                <a:spcPts val="2700"/>
-              </a:lnSpc>
-              <a:buNone/>
-            </a:pPr>
-            <a:r>
-              <a:rPr lang="en-US" sz="1650" dirty="0">
-                <a:solidFill>
-                  <a:srgbClr val="DAD1E6"/>
-                </a:solidFill>
-                <a:latin typeface="Fira Sans" pitchFamily="34" charset="0"/>
-                <a:ea typeface="Fira Sans" pitchFamily="34" charset="-122"/>
-                <a:cs typeface="Fira Sans" pitchFamily="34" charset="-120"/>
-              </a:rPr>
-              <a:t>Per sistemi di raccomandazione personalizzati basati su Machine Learning, offrendo suggerimenti pertinenti agli utenti.</a:t>
-            </a:r>
-            <a:endParaRPr lang="en-US" sz="1650" dirty="0"/>
-          </a:p>
-        </p:txBody>
-      </p:sp>
-      <p:sp>
-        <p:nvSpPr>
-          <p:cNvPr id="8" name="Shape 5"/>
-          <p:cNvSpPr/>
-          <p:nvPr/>
-        </p:nvSpPr>
-        <p:spPr>
-          <a:xfrm>
-            <a:off x="793790" y="3859292"/>
-            <a:ext cx="861893" cy="1586151"/>
-          </a:xfrm>
-          <a:prstGeom prst="roundRect">
-            <a:avLst>
-              <a:gd name="adj" fmla="val 360022"/>
-            </a:avLst>
-          </a:prstGeom>
-          <a:solidFill>
-            <a:srgbClr val="433550"/>
-          </a:solidFill>
-          <a:ln/>
-        </p:spPr>
-        <p:txBody>
-          <a:bodyPr/>
-          <a:lstStyle/>
-          <a:p>
-            <a:endParaRPr lang="it-IT"/>
-          </a:p>
-        </p:txBody>
-      </p:sp>
       <p:pic>
         <p:nvPicPr>
-          <p:cNvPr id="9" name="Image 1" descr="preencoded.png"/>
+          <p:cNvPr id="5" name="Image 1" descr="preencoded.png"/>
           <p:cNvPicPr>
             <a:picLocks noChangeAspect="1"/>
           </p:cNvPicPr>
@@ -7915,8 +9658,8 @@
         </p:blipFill>
         <p:spPr>
           <a:xfrm>
-            <a:off x="1063109" y="4450318"/>
-            <a:ext cx="323136" cy="403979"/>
+            <a:off x="2634853" y="1860352"/>
+            <a:ext cx="544354" cy="544354"/>
           </a:xfrm>
           <a:prstGeom prst="rect">
             <a:avLst/>
@@ -7925,14 +9668,14 @@
       </p:pic>
       <p:sp>
         <p:nvSpPr>
-          <p:cNvPr id="10" name="Text 6"/>
-          <p:cNvSpPr/>
-          <p:nvPr/>
-        </p:nvSpPr>
-        <p:spPr>
-          <a:xfrm>
-            <a:off x="1871067" y="4074676"/>
-            <a:ext cx="2693551" cy="336590"/>
+          <p:cNvPr id="7" name="Text 2"/>
+          <p:cNvSpPr/>
+          <p:nvPr/>
+        </p:nvSpPr>
+        <p:spPr>
+          <a:xfrm>
+            <a:off x="998101" y="2586157"/>
+            <a:ext cx="2268260" cy="283488"/>
           </a:xfrm>
           <a:prstGeom prst="rect">
             <a:avLst/>
@@ -7946,12 +9689,12 @@
           <a:p>
             <a:pPr marL="0" indent="0" algn="l">
               <a:lnSpc>
-                <a:spcPts val="2650"/>
-              </a:lnSpc>
-              <a:buNone/>
-            </a:pPr>
-            <a:r>
-              <a:rPr lang="en-US" sz="2100" b="1" dirty="0">
+                <a:spcPts val="2200"/>
+              </a:lnSpc>
+              <a:buNone/>
+            </a:pPr>
+            <a:r>
+              <a:rPr lang="en-US" sz="1750" b="1" dirty="0">
                 <a:solidFill>
                   <a:srgbClr val="DAD1E6"/>
                 </a:solidFill>
@@ -7959,22 +9702,22 @@
                 <a:ea typeface="Inconsolata Bold" pitchFamily="34" charset="-122"/>
                 <a:cs typeface="Inconsolata Bold" pitchFamily="34" charset="-120"/>
               </a:rPr>
-              <a:t>Amazon Kinesis</a:t>
-            </a:r>
-            <a:endParaRPr lang="en-US" sz="2100" dirty="0"/>
-          </a:p>
-        </p:txBody>
-      </p:sp>
-      <p:sp>
-        <p:nvSpPr>
-          <p:cNvPr id="11" name="Text 7"/>
-          <p:cNvSpPr/>
-          <p:nvPr/>
-        </p:nvSpPr>
-        <p:spPr>
-          <a:xfrm>
-            <a:off x="1871067" y="4540448"/>
-            <a:ext cx="11965543" cy="689610"/>
+              <a:t>Visibilità Completa</a:t>
+            </a:r>
+            <a:endParaRPr lang="en-US" sz="1750" dirty="0"/>
+          </a:p>
+        </p:txBody>
+      </p:sp>
+      <p:sp>
+        <p:nvSpPr>
+          <p:cNvPr id="8" name="Text 3"/>
+          <p:cNvSpPr/>
+          <p:nvPr/>
+        </p:nvSpPr>
+        <p:spPr>
+          <a:xfrm>
+            <a:off x="998101" y="2978468"/>
+            <a:ext cx="3817977" cy="2031921"/>
           </a:xfrm>
           <a:prstGeom prst="rect">
             <a:avLst/>
@@ -7988,12 +9731,12 @@
           <a:p>
             <a:pPr marL="0" indent="0" algn="l">
               <a:lnSpc>
-                <a:spcPts val="2700"/>
-              </a:lnSpc>
-              <a:buNone/>
-            </a:pPr>
-            <a:r>
-              <a:rPr lang="en-US" sz="1650" dirty="0">
+                <a:spcPts val="2250"/>
+              </a:lnSpc>
+              <a:buNone/>
+            </a:pPr>
+            <a:r>
+              <a:rPr lang="en-US" sz="1400" dirty="0">
                 <a:solidFill>
                   <a:srgbClr val="DAD1E6"/>
                 </a:solidFill>
@@ -8001,30 +9744,30 @@
                 <a:ea typeface="Fira Sans" pitchFamily="34" charset="-122"/>
                 <a:cs typeface="Fira Sans" pitchFamily="34" charset="-120"/>
               </a:rPr>
-              <a:t>Per l'elaborazione e l'analisi in tempo reale dei dati di streaming, permettendo di reagire rapidamente alle interazioni degli utenti.</a:t>
-            </a:r>
-            <a:endParaRPr lang="en-US" sz="1650" dirty="0"/>
-          </a:p>
-        </p:txBody>
-      </p:sp>
-      <p:sp>
-        <p:nvSpPr>
-          <p:cNvPr id="12" name="Shape 8"/>
-          <p:cNvSpPr/>
-          <p:nvPr/>
-        </p:nvSpPr>
-        <p:spPr>
-          <a:xfrm>
-            <a:off x="793790" y="5660827"/>
-            <a:ext cx="861893" cy="1586151"/>
+              <a:t>Ogni documento di tedx_data racchiude tutte le informazioni su un talk (descrizione, speaker, immagini, correlati, tag, watch_next). L'app non ha bisogno di fare query multiple su collezioni diverse, garantendo immediatezza nell'accesso ai dati e sfruttando i vantaggi dell'utilizzo di un database noSQL.</a:t>
+            </a:r>
+            <a:endParaRPr lang="en-US" sz="1400" dirty="0"/>
+          </a:p>
+        </p:txBody>
+      </p:sp>
+      <p:sp>
+        <p:nvSpPr>
+          <p:cNvPr id="9" name="Shape 4"/>
+          <p:cNvSpPr/>
+          <p:nvPr/>
+        </p:nvSpPr>
+        <p:spPr>
+          <a:xfrm>
+            <a:off x="5201841" y="2132528"/>
+            <a:ext cx="4226600" cy="3082171"/>
           </a:xfrm>
           <a:prstGeom prst="roundRect">
             <a:avLst>
-              <a:gd name="adj" fmla="val 360022"/>
+              <a:gd name="adj" fmla="val 3560"/>
             </a:avLst>
           </a:prstGeom>
           <a:solidFill>
-            <a:srgbClr val="433550"/>
+            <a:srgbClr val="241631"/>
           </a:solidFill>
           <a:ln/>
         </p:spPr>
@@ -8038,7 +9781,329 @@
       </p:sp>
       <p:pic>
         <p:nvPicPr>
-          <p:cNvPr id="13" name="Image 2" descr="preencoded.png"/>
+          <p:cNvPr id="10" name="Image 3" descr="preencoded.png"/>
+          <p:cNvPicPr>
+            <a:picLocks noChangeAspect="1"/>
+          </p:cNvPicPr>
+          <p:nvPr/>
+        </p:nvPicPr>
+        <p:blipFill>
+          <a:blip r:embed="rId3"/>
+          <a:stretch>
+            <a:fillRect/>
+          </a:stretch>
+        </p:blipFill>
+        <p:spPr>
+          <a:xfrm>
+            <a:off x="5201841" y="2109668"/>
+            <a:ext cx="4226600" cy="91440"/>
+          </a:xfrm>
+          <a:prstGeom prst="rect">
+            <a:avLst/>
+          </a:prstGeom>
+        </p:spPr>
+      </p:pic>
+      <p:pic>
+        <p:nvPicPr>
+          <p:cNvPr id="11" name="Image 4" descr="preencoded.png"/>
+          <p:cNvPicPr>
+            <a:picLocks noChangeAspect="1"/>
+          </p:cNvPicPr>
+          <p:nvPr/>
+        </p:nvPicPr>
+        <p:blipFill>
+          <a:blip r:embed="rId4"/>
+          <a:stretch>
+            <a:fillRect/>
+          </a:stretch>
+        </p:blipFill>
+        <p:spPr>
+          <a:xfrm>
+            <a:off x="7042904" y="1860352"/>
+            <a:ext cx="544354" cy="544354"/>
+          </a:xfrm>
+          <a:prstGeom prst="rect">
+            <a:avLst/>
+          </a:prstGeom>
+        </p:spPr>
+      </p:pic>
+      <p:sp>
+        <p:nvSpPr>
+          <p:cNvPr id="13" name="Text 5"/>
+          <p:cNvSpPr/>
+          <p:nvPr/>
+        </p:nvSpPr>
+        <p:spPr>
+          <a:xfrm>
+            <a:off x="5406152" y="2586157"/>
+            <a:ext cx="2268260" cy="283488"/>
+          </a:xfrm>
+          <a:prstGeom prst="rect">
+            <a:avLst/>
+          </a:prstGeom>
+          <a:noFill/>
+          <a:ln/>
+        </p:spPr>
+        <p:txBody>
+          <a:bodyPr wrap="none" lIns="0" tIns="0" rIns="0" bIns="0" rtlCol="0" anchor="t"/>
+          <a:lstStyle/>
+          <a:p>
+            <a:pPr marL="0" indent="0" algn="l">
+              <a:lnSpc>
+                <a:spcPts val="2200"/>
+              </a:lnSpc>
+              <a:buNone/>
+            </a:pPr>
+            <a:r>
+              <a:rPr lang="en-US" sz="1750" b="1" dirty="0">
+                <a:solidFill>
+                  <a:srgbClr val="DAD1E6"/>
+                </a:solidFill>
+                <a:latin typeface="Inconsolata Bold" pitchFamily="34" charset="0"/>
+                <a:ea typeface="Inconsolata Bold" pitchFamily="34" charset="-122"/>
+                <a:cs typeface="Inconsolata Bold" pitchFamily="34" charset="-120"/>
+              </a:rPr>
+              <a:t>Efficienza Operativa</a:t>
+            </a:r>
+            <a:endParaRPr lang="en-US" sz="1750" dirty="0"/>
+          </a:p>
+        </p:txBody>
+      </p:sp>
+      <p:sp>
+        <p:nvSpPr>
+          <p:cNvPr id="14" name="Text 6"/>
+          <p:cNvSpPr/>
+          <p:nvPr/>
+        </p:nvSpPr>
+        <p:spPr>
+          <a:xfrm>
+            <a:off x="5406152" y="2978468"/>
+            <a:ext cx="3817977" cy="1741646"/>
+          </a:xfrm>
+          <a:prstGeom prst="rect">
+            <a:avLst/>
+          </a:prstGeom>
+          <a:noFill/>
+          <a:ln/>
+        </p:spPr>
+        <p:txBody>
+          <a:bodyPr wrap="square" lIns="0" tIns="0" rIns="0" bIns="0" rtlCol="0" anchor="t"/>
+          <a:lstStyle/>
+          <a:p>
+            <a:pPr marL="0" indent="0" algn="l">
+              <a:lnSpc>
+                <a:spcPts val="2250"/>
+              </a:lnSpc>
+              <a:buNone/>
+            </a:pPr>
+            <a:r>
+              <a:rPr lang="en-US" sz="1400" dirty="0">
+                <a:solidFill>
+                  <a:srgbClr val="DAD1E6"/>
+                </a:solidFill>
+                <a:latin typeface="Fira Sans" pitchFamily="34" charset="0"/>
+                <a:ea typeface="Fira Sans" pitchFamily="34" charset="-122"/>
+                <a:cs typeface="Fira Sans" pitchFamily="34" charset="-120"/>
+              </a:rPr>
+              <a:t>Riducendo drasticamente il numero di join a runtime, le query diventano più veloci e leggere. Questo è cruciale per un'app mobile come TedxMatch, che deve fornire risultati rapidi in modo tale da migliorare l'esperienza utente.</a:t>
+            </a:r>
+            <a:endParaRPr lang="en-US" sz="1400" dirty="0"/>
+          </a:p>
+        </p:txBody>
+      </p:sp>
+      <p:sp>
+        <p:nvSpPr>
+          <p:cNvPr id="15" name="Shape 7"/>
+          <p:cNvSpPr/>
+          <p:nvPr/>
+        </p:nvSpPr>
+        <p:spPr>
+          <a:xfrm>
+            <a:off x="9609892" y="2132528"/>
+            <a:ext cx="4226719" cy="3082171"/>
+          </a:xfrm>
+          <a:prstGeom prst="roundRect">
+            <a:avLst>
+              <a:gd name="adj" fmla="val 3560"/>
+            </a:avLst>
+          </a:prstGeom>
+          <a:solidFill>
+            <a:srgbClr val="241631"/>
+          </a:solidFill>
+          <a:ln/>
+        </p:spPr>
+        <p:txBody>
+          <a:bodyPr/>
+          <a:lstStyle/>
+          <a:p>
+            <a:endParaRPr lang="it-IT"/>
+          </a:p>
+        </p:txBody>
+      </p:sp>
+      <p:pic>
+        <p:nvPicPr>
+          <p:cNvPr id="16" name="Image 6" descr="preencoded.png"/>
+          <p:cNvPicPr>
+            <a:picLocks noChangeAspect="1"/>
+          </p:cNvPicPr>
+          <p:nvPr/>
+        </p:nvPicPr>
+        <p:blipFill>
+          <a:blip r:embed="rId3"/>
+          <a:stretch>
+            <a:fillRect/>
+          </a:stretch>
+        </p:blipFill>
+        <p:spPr>
+          <a:xfrm>
+            <a:off x="9609892" y="2109668"/>
+            <a:ext cx="4226719" cy="91440"/>
+          </a:xfrm>
+          <a:prstGeom prst="rect">
+            <a:avLst/>
+          </a:prstGeom>
+        </p:spPr>
+      </p:pic>
+      <p:pic>
+        <p:nvPicPr>
+          <p:cNvPr id="17" name="Image 7" descr="preencoded.png"/>
+          <p:cNvPicPr>
+            <a:picLocks noChangeAspect="1"/>
+          </p:cNvPicPr>
+          <p:nvPr/>
+        </p:nvPicPr>
+        <p:blipFill>
+          <a:blip r:embed="rId4"/>
+          <a:stretch>
+            <a:fillRect/>
+          </a:stretch>
+        </p:blipFill>
+        <p:spPr>
+          <a:xfrm>
+            <a:off x="11451074" y="1860352"/>
+            <a:ext cx="544354" cy="544354"/>
+          </a:xfrm>
+          <a:prstGeom prst="rect">
+            <a:avLst/>
+          </a:prstGeom>
+        </p:spPr>
+      </p:pic>
+      <p:sp>
+        <p:nvSpPr>
+          <p:cNvPr id="19" name="Text 8"/>
+          <p:cNvSpPr/>
+          <p:nvPr/>
+        </p:nvSpPr>
+        <p:spPr>
+          <a:xfrm>
+            <a:off x="9814203" y="2586157"/>
+            <a:ext cx="2607112" cy="283488"/>
+          </a:xfrm>
+          <a:prstGeom prst="rect">
+            <a:avLst/>
+          </a:prstGeom>
+          <a:noFill/>
+          <a:ln/>
+        </p:spPr>
+        <p:txBody>
+          <a:bodyPr wrap="none" lIns="0" tIns="0" rIns="0" bIns="0" rtlCol="0" anchor="t"/>
+          <a:lstStyle/>
+          <a:p>
+            <a:pPr marL="0" indent="0" algn="l">
+              <a:lnSpc>
+                <a:spcPts val="2200"/>
+              </a:lnSpc>
+              <a:buNone/>
+            </a:pPr>
+            <a:r>
+              <a:rPr lang="en-US" sz="1750" b="1" dirty="0">
+                <a:solidFill>
+                  <a:srgbClr val="DAD1E6"/>
+                </a:solidFill>
+                <a:latin typeface="Inconsolata Bold" pitchFamily="34" charset="0"/>
+                <a:ea typeface="Inconsolata Bold" pitchFamily="34" charset="-122"/>
+                <a:cs typeface="Inconsolata Bold" pitchFamily="34" charset="-120"/>
+              </a:rPr>
+              <a:t>Semplicità nel Matching</a:t>
+            </a:r>
+            <a:endParaRPr lang="en-US" sz="1750" dirty="0"/>
+          </a:p>
+        </p:txBody>
+      </p:sp>
+      <p:sp>
+        <p:nvSpPr>
+          <p:cNvPr id="20" name="Text 9"/>
+          <p:cNvSpPr/>
+          <p:nvPr/>
+        </p:nvSpPr>
+        <p:spPr>
+          <a:xfrm>
+            <a:off x="9814203" y="2978468"/>
+            <a:ext cx="3818096" cy="1451372"/>
+          </a:xfrm>
+          <a:prstGeom prst="rect">
+            <a:avLst/>
+          </a:prstGeom>
+          <a:noFill/>
+          <a:ln/>
+        </p:spPr>
+        <p:txBody>
+          <a:bodyPr wrap="square" lIns="0" tIns="0" rIns="0" bIns="0" rtlCol="0" anchor="t"/>
+          <a:lstStyle/>
+          <a:p>
+            <a:pPr marL="0" indent="0" algn="l">
+              <a:lnSpc>
+                <a:spcPts val="2250"/>
+              </a:lnSpc>
+              <a:buNone/>
+            </a:pPr>
+            <a:r>
+              <a:rPr lang="en-US" sz="1400" dirty="0">
+                <a:solidFill>
+                  <a:srgbClr val="DAD1E6"/>
+                </a:solidFill>
+                <a:latin typeface="Fira Sans" pitchFamily="34" charset="0"/>
+                <a:ea typeface="Fira Sans" pitchFamily="34" charset="-122"/>
+                <a:cs typeface="Fira Sans" pitchFamily="34" charset="-120"/>
+              </a:rPr>
+              <a:t>Avere dati già arricchiti e organizzati permette di confrontare utenti e contenuti in modo diretto. Questo semplifica l'implementazione degli algoritmi di matching e riduce la complessità logica lato server.</a:t>
+            </a:r>
+            <a:endParaRPr lang="en-US" sz="1400" dirty="0"/>
+          </a:p>
+        </p:txBody>
+      </p:sp>
+      <p:sp>
+        <p:nvSpPr>
+          <p:cNvPr id="21" name="Shape 10"/>
+          <p:cNvSpPr/>
+          <p:nvPr/>
+        </p:nvSpPr>
+        <p:spPr>
+          <a:xfrm>
+            <a:off x="793790" y="5668327"/>
+            <a:ext cx="13042821" cy="1630799"/>
+          </a:xfrm>
+          <a:prstGeom prst="roundRect">
+            <a:avLst>
+              <a:gd name="adj" fmla="val 6728"/>
+            </a:avLst>
+          </a:prstGeom>
+          <a:solidFill>
+            <a:srgbClr val="241631"/>
+          </a:solidFill>
+          <a:ln/>
+        </p:spPr>
+        <p:txBody>
+          <a:bodyPr/>
+          <a:lstStyle/>
+          <a:p>
+            <a:endParaRPr lang="it-IT"/>
+          </a:p>
+        </p:txBody>
+      </p:sp>
+      <p:pic>
+        <p:nvPicPr>
+          <p:cNvPr id="22" name="Image 9" descr="preencoded.png"/>
           <p:cNvPicPr>
             <a:picLocks noChangeAspect="1"/>
           </p:cNvPicPr>
@@ -8052,24 +10117,48 @@
         </p:blipFill>
         <p:spPr>
           <a:xfrm>
-            <a:off x="1063109" y="6251853"/>
-            <a:ext cx="323136" cy="403979"/>
+            <a:off x="793790" y="5645468"/>
+            <a:ext cx="13042821" cy="91440"/>
           </a:xfrm>
           <a:prstGeom prst="rect">
             <a:avLst/>
           </a:prstGeom>
         </p:spPr>
       </p:pic>
-      <p:sp>
-        <p:nvSpPr>
-          <p:cNvPr id="14" name="Text 9"/>
-          <p:cNvSpPr/>
-          <p:nvPr/>
-        </p:nvSpPr>
-        <p:spPr>
-          <a:xfrm>
-            <a:off x="1871067" y="5876211"/>
-            <a:ext cx="2693551" cy="336590"/>
+      <p:pic>
+        <p:nvPicPr>
+          <p:cNvPr id="23" name="Image 10" descr="preencoded.png"/>
+          <p:cNvPicPr>
+            <a:picLocks noChangeAspect="1"/>
+          </p:cNvPicPr>
+          <p:nvPr/>
+        </p:nvPicPr>
+        <p:blipFill>
+          <a:blip r:embed="rId4"/>
+          <a:stretch>
+            <a:fillRect/>
+          </a:stretch>
+        </p:blipFill>
+        <p:spPr>
+          <a:xfrm>
+            <a:off x="7043023" y="5396151"/>
+            <a:ext cx="544354" cy="544354"/>
+          </a:xfrm>
+          <a:prstGeom prst="rect">
+            <a:avLst/>
+          </a:prstGeom>
+        </p:spPr>
+      </p:pic>
+      <p:sp>
+        <p:nvSpPr>
+          <p:cNvPr id="25" name="Text 11"/>
+          <p:cNvSpPr/>
+          <p:nvPr/>
+        </p:nvSpPr>
+        <p:spPr>
+          <a:xfrm>
+            <a:off x="998101" y="6121956"/>
+            <a:ext cx="2268260" cy="283488"/>
           </a:xfrm>
           <a:prstGeom prst="rect">
             <a:avLst/>
@@ -8083,12 +10172,12 @@
           <a:p>
             <a:pPr marL="0" indent="0" algn="l">
               <a:lnSpc>
-                <a:spcPts val="2650"/>
-              </a:lnSpc>
-              <a:buNone/>
-            </a:pPr>
-            <a:r>
-              <a:rPr lang="en-US" sz="2100" b="1" dirty="0">
+                <a:spcPts val="2200"/>
+              </a:lnSpc>
+              <a:buNone/>
+            </a:pPr>
+            <a:r>
+              <a:rPr lang="en-US" sz="1750" b="1" dirty="0">
                 <a:solidFill>
                   <a:srgbClr val="DAD1E6"/>
                 </a:solidFill>
@@ -8096,22 +10185,22 @@
                 <a:ea typeface="Inconsolata Bold" pitchFamily="34" charset="-122"/>
                 <a:cs typeface="Inconsolata Bold" pitchFamily="34" charset="-120"/>
               </a:rPr>
-              <a:t>Amazon SageMaker</a:t>
-            </a:r>
-            <a:endParaRPr lang="en-US" sz="2100" dirty="0"/>
-          </a:p>
-        </p:txBody>
-      </p:sp>
-      <p:sp>
-        <p:nvSpPr>
-          <p:cNvPr id="15" name="Text 10"/>
-          <p:cNvSpPr/>
-          <p:nvPr/>
-        </p:nvSpPr>
-        <p:spPr>
-          <a:xfrm>
-            <a:off x="1871067" y="6341983"/>
-            <a:ext cx="11965543" cy="689610"/>
+              <a:t>Scalabilità e Futuro</a:t>
+            </a:r>
+            <a:endParaRPr lang="en-US" sz="1750" dirty="0"/>
+          </a:p>
+        </p:txBody>
+      </p:sp>
+      <p:sp>
+        <p:nvSpPr>
+          <p:cNvPr id="26" name="Text 12"/>
+          <p:cNvSpPr/>
+          <p:nvPr/>
+        </p:nvSpPr>
+        <p:spPr>
+          <a:xfrm>
+            <a:off x="998101" y="6514267"/>
+            <a:ext cx="12634198" cy="580549"/>
           </a:xfrm>
           <a:prstGeom prst="rect">
             <a:avLst/>
@@ -8125,12 +10214,12 @@
           <a:p>
             <a:pPr marL="0" indent="0" algn="l">
               <a:lnSpc>
-                <a:spcPts val="2700"/>
-              </a:lnSpc>
-              <a:buNone/>
-            </a:pPr>
-            <a:r>
-              <a:rPr lang="en-US" sz="1650" dirty="0">
+                <a:spcPts val="2250"/>
+              </a:lnSpc>
+              <a:buNone/>
+            </a:pPr>
+            <a:r>
+              <a:rPr lang="en-US" sz="1400" dirty="0">
                 <a:solidFill>
                   <a:srgbClr val="DAD1E6"/>
                 </a:solidFill>
@@ -8138,18 +10227,18 @@
                 <a:ea typeface="Fira Sans" pitchFamily="34" charset="-122"/>
                 <a:cs typeface="Fira Sans" pitchFamily="34" charset="-120"/>
               </a:rPr>
-              <a:t>Per lo sviluppo, l'addestramento e il deployment di modelli di Machine Learning avanzati, supportando l'innovazione continua.</a:t>
-            </a:r>
-            <a:endParaRPr lang="en-US" sz="1650" dirty="0"/>
-          </a:p>
-        </p:txBody>
-      </p:sp>
-      <p:sp>
-        <p:nvSpPr>
-          <p:cNvPr id="16" name="Rettangolo 15">
+              <a:t>Il modello è pensato per accogliere senza modifiche nuovi dataset (es. commenti, interazioni in tempo reale), garantendo nuovi scenari di sviluppo del progetto.</a:t>
+            </a:r>
+            <a:endParaRPr lang="en-US" sz="1400" dirty="0"/>
+          </a:p>
+        </p:txBody>
+      </p:sp>
+      <p:sp>
+        <p:nvSpPr>
+          <p:cNvPr id="27" name="Rettangolo 26">
             <a:extLst>
               <a:ext uri="{FF2B5EF4-FFF2-40B4-BE49-F238E27FC236}">
-                <a16:creationId xmlns:a16="http://schemas.microsoft.com/office/drawing/2014/main" id="{176BCE28-1B3E-ADD8-E8B9-150F9BCF6F9E}"/>
+                <a16:creationId xmlns:a16="http://schemas.microsoft.com/office/drawing/2014/main" id="{9FA2DF56-6120-1731-D4FE-EBB0B1BC0A20}"/>
               </a:ext>
             </a:extLst>
           </p:cNvPr>
